--- a/Metis_EDA_MTA_Goff.pptx
+++ b/Metis_EDA_MTA_Goff.pptx
@@ -4,15 +4,18 @@
   <p:sldMasterIdLst>
     <p:sldMasterId id="2147483648" r:id="rId1"/>
   </p:sldMasterIdLst>
+  <p:notesMasterIdLst>
+    <p:notesMasterId r:id="rId10"/>
+  </p:notesMasterIdLst>
   <p:sldIdLst>
     <p:sldId id="256" r:id="rId2"/>
     <p:sldId id="258" r:id="rId3"/>
     <p:sldId id="259" r:id="rId4"/>
-    <p:sldId id="260" r:id="rId5"/>
+    <p:sldId id="263" r:id="rId5"/>
     <p:sldId id="261" r:id="rId6"/>
     <p:sldId id="262" r:id="rId7"/>
-    <p:sldId id="263" r:id="rId8"/>
-    <p:sldId id="257" r:id="rId9"/>
+    <p:sldId id="257" r:id="rId8"/>
+    <p:sldId id="260" r:id="rId9"/>
   </p:sldIdLst>
   <p:sldSz cx="12192000" cy="6858000"/>
   <p:notesSz cx="6858000" cy="9144000"/>
@@ -114,6 +117,355 @@
 </p:presentation>
 </file>
 
+<file path=ppt/notesMasters/notesMaster1.xml><?xml version="1.0" encoding="utf-8"?>
+<p:notesMaster xmlns:a="http://schemas.openxmlformats.org/drawingml/2006/main" xmlns:r="http://schemas.openxmlformats.org/officeDocument/2006/relationships" xmlns:p="http://schemas.openxmlformats.org/presentationml/2006/main">
+  <p:cSld>
+    <p:bg>
+      <p:bgRef idx="1001">
+        <a:schemeClr val="bg1"/>
+      </p:bgRef>
+    </p:bg>
+    <p:spTree>
+      <p:nvGrpSpPr>
+        <p:cNvPr id="1" name=""/>
+        <p:cNvGrpSpPr/>
+        <p:nvPr/>
+      </p:nvGrpSpPr>
+      <p:grpSpPr>
+        <a:xfrm>
+          <a:off x="0" y="0"/>
+          <a:ext cx="0" cy="0"/>
+          <a:chOff x="0" y="0"/>
+          <a:chExt cx="0" cy="0"/>
+        </a:xfrm>
+      </p:grpSpPr>
+      <p:sp>
+        <p:nvSpPr>
+          <p:cNvPr id="2" name="Header Placeholder 1"/>
+          <p:cNvSpPr>
+            <a:spLocks noGrp="1"/>
+          </p:cNvSpPr>
+          <p:nvPr>
+            <p:ph type="hdr" sz="quarter"/>
+          </p:nvPr>
+        </p:nvSpPr>
+        <p:spPr>
+          <a:xfrm>
+            <a:off x="0" y="0"/>
+            <a:ext cx="2971800" cy="458788"/>
+          </a:xfrm>
+          <a:prstGeom prst="rect">
+            <a:avLst/>
+          </a:prstGeom>
+        </p:spPr>
+        <p:txBody>
+          <a:bodyPr vert="horz" lIns="91440" tIns="45720" rIns="91440" bIns="45720" rtlCol="0"/>
+          <a:lstStyle>
+            <a:lvl1pPr algn="l">
+              <a:defRPr sz="1200"/>
+            </a:lvl1pPr>
+          </a:lstStyle>
+          <a:p>
+            <a:endParaRPr lang="en-US"/>
+          </a:p>
+        </p:txBody>
+      </p:sp>
+      <p:sp>
+        <p:nvSpPr>
+          <p:cNvPr id="3" name="Date Placeholder 2"/>
+          <p:cNvSpPr>
+            <a:spLocks noGrp="1"/>
+          </p:cNvSpPr>
+          <p:nvPr>
+            <p:ph type="dt" idx="1"/>
+          </p:nvPr>
+        </p:nvSpPr>
+        <p:spPr>
+          <a:xfrm>
+            <a:off x="3884613" y="0"/>
+            <a:ext cx="2971800" cy="458788"/>
+          </a:xfrm>
+          <a:prstGeom prst="rect">
+            <a:avLst/>
+          </a:prstGeom>
+        </p:spPr>
+        <p:txBody>
+          <a:bodyPr vert="horz" lIns="91440" tIns="45720" rIns="91440" bIns="45720" rtlCol="0"/>
+          <a:lstStyle>
+            <a:lvl1pPr algn="r">
+              <a:defRPr sz="1200"/>
+            </a:lvl1pPr>
+          </a:lstStyle>
+          <a:p>
+            <a:fld id="{A1964419-1A4F-8845-959C-C4669BB18C07}" type="datetimeFigureOut">
+              <a:rPr lang="en-US" smtClean="0"/>
+              <a:t>4/2/21</a:t>
+            </a:fld>
+            <a:endParaRPr lang="en-US"/>
+          </a:p>
+        </p:txBody>
+      </p:sp>
+      <p:sp>
+        <p:nvSpPr>
+          <p:cNvPr id="4" name="Slide Image Placeholder 3"/>
+          <p:cNvSpPr>
+            <a:spLocks noGrp="1" noRot="1" noChangeAspect="1"/>
+          </p:cNvSpPr>
+          <p:nvPr>
+            <p:ph type="sldImg" idx="2"/>
+          </p:nvPr>
+        </p:nvSpPr>
+        <p:spPr>
+          <a:xfrm>
+            <a:off x="685800" y="1143000"/>
+            <a:ext cx="5486400" cy="3086100"/>
+          </a:xfrm>
+          <a:prstGeom prst="rect">
+            <a:avLst/>
+          </a:prstGeom>
+          <a:noFill/>
+          <a:ln w="12700">
+            <a:solidFill>
+              <a:prstClr val="black"/>
+            </a:solidFill>
+          </a:ln>
+        </p:spPr>
+        <p:txBody>
+          <a:bodyPr vert="horz" lIns="91440" tIns="45720" rIns="91440" bIns="45720" rtlCol="0" anchor="ctr"/>
+          <a:lstStyle/>
+          <a:p>
+            <a:endParaRPr lang="en-US"/>
+          </a:p>
+        </p:txBody>
+      </p:sp>
+      <p:sp>
+        <p:nvSpPr>
+          <p:cNvPr id="5" name="Notes Placeholder 4"/>
+          <p:cNvSpPr>
+            <a:spLocks noGrp="1"/>
+          </p:cNvSpPr>
+          <p:nvPr>
+            <p:ph type="body" sz="quarter" idx="3"/>
+          </p:nvPr>
+        </p:nvSpPr>
+        <p:spPr>
+          <a:xfrm>
+            <a:off x="685800" y="4400550"/>
+            <a:ext cx="5486400" cy="3600450"/>
+          </a:xfrm>
+          <a:prstGeom prst="rect">
+            <a:avLst/>
+          </a:prstGeom>
+        </p:spPr>
+        <p:txBody>
+          <a:bodyPr vert="horz" lIns="91440" tIns="45720" rIns="91440" bIns="45720" rtlCol="0"/>
+          <a:lstStyle/>
+          <a:p>
+            <a:pPr lvl="0"/>
+            <a:r>
+              <a:rPr lang="en-US"/>
+              <a:t>Click to edit Master text styles</a:t>
+            </a:r>
+          </a:p>
+          <a:p>
+            <a:pPr lvl="1"/>
+            <a:r>
+              <a:rPr lang="en-US"/>
+              <a:t>Second level</a:t>
+            </a:r>
+          </a:p>
+          <a:p>
+            <a:pPr lvl="2"/>
+            <a:r>
+              <a:rPr lang="en-US"/>
+              <a:t>Third level</a:t>
+            </a:r>
+          </a:p>
+          <a:p>
+            <a:pPr lvl="3"/>
+            <a:r>
+              <a:rPr lang="en-US"/>
+              <a:t>Fourth level</a:t>
+            </a:r>
+          </a:p>
+          <a:p>
+            <a:pPr lvl="4"/>
+            <a:r>
+              <a:rPr lang="en-US"/>
+              <a:t>Fifth level</a:t>
+            </a:r>
+          </a:p>
+        </p:txBody>
+      </p:sp>
+      <p:sp>
+        <p:nvSpPr>
+          <p:cNvPr id="6" name="Footer Placeholder 5"/>
+          <p:cNvSpPr>
+            <a:spLocks noGrp="1"/>
+          </p:cNvSpPr>
+          <p:nvPr>
+            <p:ph type="ftr" sz="quarter" idx="4"/>
+          </p:nvPr>
+        </p:nvSpPr>
+        <p:spPr>
+          <a:xfrm>
+            <a:off x="0" y="8685213"/>
+            <a:ext cx="2971800" cy="458787"/>
+          </a:xfrm>
+          <a:prstGeom prst="rect">
+            <a:avLst/>
+          </a:prstGeom>
+        </p:spPr>
+        <p:txBody>
+          <a:bodyPr vert="horz" lIns="91440" tIns="45720" rIns="91440" bIns="45720" rtlCol="0" anchor="b"/>
+          <a:lstStyle>
+            <a:lvl1pPr algn="l">
+              <a:defRPr sz="1200"/>
+            </a:lvl1pPr>
+          </a:lstStyle>
+          <a:p>
+            <a:endParaRPr lang="en-US"/>
+          </a:p>
+        </p:txBody>
+      </p:sp>
+      <p:sp>
+        <p:nvSpPr>
+          <p:cNvPr id="7" name="Slide Number Placeholder 6"/>
+          <p:cNvSpPr>
+            <a:spLocks noGrp="1"/>
+          </p:cNvSpPr>
+          <p:nvPr>
+            <p:ph type="sldNum" sz="quarter" idx="5"/>
+          </p:nvPr>
+        </p:nvSpPr>
+        <p:spPr>
+          <a:xfrm>
+            <a:off x="3884613" y="8685213"/>
+            <a:ext cx="2971800" cy="458787"/>
+          </a:xfrm>
+          <a:prstGeom prst="rect">
+            <a:avLst/>
+          </a:prstGeom>
+        </p:spPr>
+        <p:txBody>
+          <a:bodyPr vert="horz" lIns="91440" tIns="45720" rIns="91440" bIns="45720" rtlCol="0" anchor="b"/>
+          <a:lstStyle>
+            <a:lvl1pPr algn="r">
+              <a:defRPr sz="1200"/>
+            </a:lvl1pPr>
+          </a:lstStyle>
+          <a:p>
+            <a:fld id="{B2EAA88E-9B0B-D24F-A3F1-9511D00AF1AE}" type="slidenum">
+              <a:rPr lang="en-US" smtClean="0"/>
+              <a:t>‹#›</a:t>
+            </a:fld>
+            <a:endParaRPr lang="en-US"/>
+          </a:p>
+        </p:txBody>
+      </p:sp>
+    </p:spTree>
+    <p:extLst>
+      <p:ext uri="{BB962C8B-B14F-4D97-AF65-F5344CB8AC3E}">
+        <p14:creationId xmlns:p14="http://schemas.microsoft.com/office/powerpoint/2010/main" val="1787582143"/>
+      </p:ext>
+    </p:extLst>
+  </p:cSld>
+  <p:clrMap bg1="lt1" tx1="dk1" bg2="lt2" tx2="dk2" accent1="accent1" accent2="accent2" accent3="accent3" accent4="accent4" accent5="accent5" accent6="accent6" hlink="hlink" folHlink="folHlink"/>
+  <p:notesStyle>
+    <a:lvl1pPr marL="0" algn="l" defTabSz="914400" rtl="0" eaLnBrk="1" latinLnBrk="0" hangingPunct="1">
+      <a:defRPr sz="1200" kern="1200">
+        <a:solidFill>
+          <a:schemeClr val="tx1"/>
+        </a:solidFill>
+        <a:latin typeface="+mn-lt"/>
+        <a:ea typeface="+mn-ea"/>
+        <a:cs typeface="+mn-cs"/>
+      </a:defRPr>
+    </a:lvl1pPr>
+    <a:lvl2pPr marL="457200" algn="l" defTabSz="914400" rtl="0" eaLnBrk="1" latinLnBrk="0" hangingPunct="1">
+      <a:defRPr sz="1200" kern="1200">
+        <a:solidFill>
+          <a:schemeClr val="tx1"/>
+        </a:solidFill>
+        <a:latin typeface="+mn-lt"/>
+        <a:ea typeface="+mn-ea"/>
+        <a:cs typeface="+mn-cs"/>
+      </a:defRPr>
+    </a:lvl2pPr>
+    <a:lvl3pPr marL="914400" algn="l" defTabSz="914400" rtl="0" eaLnBrk="1" latinLnBrk="0" hangingPunct="1">
+      <a:defRPr sz="1200" kern="1200">
+        <a:solidFill>
+          <a:schemeClr val="tx1"/>
+        </a:solidFill>
+        <a:latin typeface="+mn-lt"/>
+        <a:ea typeface="+mn-ea"/>
+        <a:cs typeface="+mn-cs"/>
+      </a:defRPr>
+    </a:lvl3pPr>
+    <a:lvl4pPr marL="1371600" algn="l" defTabSz="914400" rtl="0" eaLnBrk="1" latinLnBrk="0" hangingPunct="1">
+      <a:defRPr sz="1200" kern="1200">
+        <a:solidFill>
+          <a:schemeClr val="tx1"/>
+        </a:solidFill>
+        <a:latin typeface="+mn-lt"/>
+        <a:ea typeface="+mn-ea"/>
+        <a:cs typeface="+mn-cs"/>
+      </a:defRPr>
+    </a:lvl4pPr>
+    <a:lvl5pPr marL="1828800" algn="l" defTabSz="914400" rtl="0" eaLnBrk="1" latinLnBrk="0" hangingPunct="1">
+      <a:defRPr sz="1200" kern="1200">
+        <a:solidFill>
+          <a:schemeClr val="tx1"/>
+        </a:solidFill>
+        <a:latin typeface="+mn-lt"/>
+        <a:ea typeface="+mn-ea"/>
+        <a:cs typeface="+mn-cs"/>
+      </a:defRPr>
+    </a:lvl5pPr>
+    <a:lvl6pPr marL="2286000" algn="l" defTabSz="914400" rtl="0" eaLnBrk="1" latinLnBrk="0" hangingPunct="1">
+      <a:defRPr sz="1200" kern="1200">
+        <a:solidFill>
+          <a:schemeClr val="tx1"/>
+        </a:solidFill>
+        <a:latin typeface="+mn-lt"/>
+        <a:ea typeface="+mn-ea"/>
+        <a:cs typeface="+mn-cs"/>
+      </a:defRPr>
+    </a:lvl6pPr>
+    <a:lvl7pPr marL="2743200" algn="l" defTabSz="914400" rtl="0" eaLnBrk="1" latinLnBrk="0" hangingPunct="1">
+      <a:defRPr sz="1200" kern="1200">
+        <a:solidFill>
+          <a:schemeClr val="tx1"/>
+        </a:solidFill>
+        <a:latin typeface="+mn-lt"/>
+        <a:ea typeface="+mn-ea"/>
+        <a:cs typeface="+mn-cs"/>
+      </a:defRPr>
+    </a:lvl7pPr>
+    <a:lvl8pPr marL="3200400" algn="l" defTabSz="914400" rtl="0" eaLnBrk="1" latinLnBrk="0" hangingPunct="1">
+      <a:defRPr sz="1200" kern="1200">
+        <a:solidFill>
+          <a:schemeClr val="tx1"/>
+        </a:solidFill>
+        <a:latin typeface="+mn-lt"/>
+        <a:ea typeface="+mn-ea"/>
+        <a:cs typeface="+mn-cs"/>
+      </a:defRPr>
+    </a:lvl8pPr>
+    <a:lvl9pPr marL="3657600" algn="l" defTabSz="914400" rtl="0" eaLnBrk="1" latinLnBrk="0" hangingPunct="1">
+      <a:defRPr sz="1200" kern="1200">
+        <a:solidFill>
+          <a:schemeClr val="tx1"/>
+        </a:solidFill>
+        <a:latin typeface="+mn-lt"/>
+        <a:ea typeface="+mn-ea"/>
+        <a:cs typeface="+mn-cs"/>
+      </a:defRPr>
+    </a:lvl9pPr>
+  </p:notesStyle>
+</p:notesMaster>
+</file>
+
 <file path=ppt/slideLayouts/slideLayout1.xml><?xml version="1.0" encoding="utf-8"?>
 <p:sldLayout xmlns:a="http://schemas.openxmlformats.org/drawingml/2006/main" xmlns:r="http://schemas.openxmlformats.org/officeDocument/2006/relationships" xmlns:p="http://schemas.openxmlformats.org/presentationml/2006/main" type="title" preserve="1">
   <p:cSld name="Title Slide">
@@ -259,11 +611,10 @@
           <a:bodyPr/>
           <a:lstStyle/>
           <a:p>
-            <a:fld id="{6BE99633-FB40-6B4F-AE72-C137CBA78837}" type="datetimeFigureOut">
-              <a:rPr lang="en-US" smtClean="0"/>
-              <a:t>4/1/21</a:t>
-            </a:fld>
-            <a:endParaRPr lang="en-US"/>
+            <a:r>
+              <a:rPr lang="en-US"/>
+              <a:t>4/2/21</a:t>
+            </a:r>
           </a:p>
         </p:txBody>
       </p:sp>
@@ -288,7 +639,10 @@
           <a:bodyPr/>
           <a:lstStyle/>
           <a:p>
-            <a:endParaRPr lang="en-US"/>
+            <a:r>
+              <a:rPr lang="en-US" dirty="0"/>
+              <a:t>Peter Goff</a:t>
+            </a:r>
           </a:p>
         </p:txBody>
       </p:sp>
@@ -457,11 +811,10 @@
           <a:bodyPr/>
           <a:lstStyle/>
           <a:p>
-            <a:fld id="{6BE99633-FB40-6B4F-AE72-C137CBA78837}" type="datetimeFigureOut">
-              <a:rPr lang="en-US" smtClean="0"/>
-              <a:t>4/1/21</a:t>
-            </a:fld>
-            <a:endParaRPr lang="en-US"/>
+            <a:r>
+              <a:rPr lang="en-US"/>
+              <a:t>4/2/21</a:t>
+            </a:r>
           </a:p>
         </p:txBody>
       </p:sp>
@@ -486,7 +839,10 @@
           <a:bodyPr/>
           <a:lstStyle/>
           <a:p>
-            <a:endParaRPr lang="en-US"/>
+            <a:r>
+              <a:rPr lang="en-US"/>
+              <a:t>Peter Goff</a:t>
+            </a:r>
           </a:p>
         </p:txBody>
       </p:sp>
@@ -665,11 +1021,10 @@
           <a:bodyPr/>
           <a:lstStyle/>
           <a:p>
-            <a:fld id="{6BE99633-FB40-6B4F-AE72-C137CBA78837}" type="datetimeFigureOut">
-              <a:rPr lang="en-US" smtClean="0"/>
-              <a:t>4/1/21</a:t>
-            </a:fld>
-            <a:endParaRPr lang="en-US"/>
+            <a:r>
+              <a:rPr lang="en-US"/>
+              <a:t>4/2/21</a:t>
+            </a:r>
           </a:p>
         </p:txBody>
       </p:sp>
@@ -694,7 +1049,10 @@
           <a:bodyPr/>
           <a:lstStyle/>
           <a:p>
-            <a:endParaRPr lang="en-US"/>
+            <a:r>
+              <a:rPr lang="en-US"/>
+              <a:t>Peter Goff</a:t>
+            </a:r>
           </a:p>
         </p:txBody>
       </p:sp>
@@ -808,35 +1166,35 @@
           <a:p>
             <a:pPr lvl="0"/>
             <a:r>
-              <a:rPr lang="en-US"/>
+              <a:rPr lang="en-US" dirty="0"/>
               <a:t>Click to edit Master text styles</a:t>
             </a:r>
           </a:p>
           <a:p>
             <a:pPr lvl="1"/>
             <a:r>
-              <a:rPr lang="en-US"/>
+              <a:rPr lang="en-US" dirty="0"/>
               <a:t>Second level</a:t>
             </a:r>
           </a:p>
           <a:p>
             <a:pPr lvl="2"/>
             <a:r>
-              <a:rPr lang="en-US"/>
+              <a:rPr lang="en-US" dirty="0"/>
               <a:t>Third level</a:t>
             </a:r>
           </a:p>
           <a:p>
             <a:pPr lvl="3"/>
             <a:r>
-              <a:rPr lang="en-US"/>
+              <a:rPr lang="en-US" dirty="0"/>
               <a:t>Fourth level</a:t>
             </a:r>
           </a:p>
           <a:p>
             <a:pPr lvl="4"/>
             <a:r>
-              <a:rPr lang="en-US"/>
+              <a:rPr lang="en-US" dirty="0"/>
               <a:t>Fifth level</a:t>
             </a:r>
           </a:p>
@@ -863,11 +1221,10 @@
           <a:bodyPr/>
           <a:lstStyle/>
           <a:p>
-            <a:fld id="{6BE99633-FB40-6B4F-AE72-C137CBA78837}" type="datetimeFigureOut">
-              <a:rPr lang="en-US" smtClean="0"/>
-              <a:t>4/1/21</a:t>
-            </a:fld>
-            <a:endParaRPr lang="en-US"/>
+            <a:r>
+              <a:rPr lang="en-US"/>
+              <a:t>4/2/21</a:t>
+            </a:r>
           </a:p>
         </p:txBody>
       </p:sp>
@@ -892,7 +1249,10 @@
           <a:bodyPr/>
           <a:lstStyle/>
           <a:p>
-            <a:endParaRPr lang="en-US"/>
+            <a:r>
+              <a:rPr lang="en-US" dirty="0"/>
+              <a:t>Peter Goff</a:t>
+            </a:r>
           </a:p>
         </p:txBody>
       </p:sp>
@@ -1138,11 +1498,10 @@
           <a:bodyPr/>
           <a:lstStyle/>
           <a:p>
-            <a:fld id="{6BE99633-FB40-6B4F-AE72-C137CBA78837}" type="datetimeFigureOut">
-              <a:rPr lang="en-US" smtClean="0"/>
-              <a:t>4/1/21</a:t>
-            </a:fld>
-            <a:endParaRPr lang="en-US"/>
+            <a:r>
+              <a:rPr lang="en-US"/>
+              <a:t>4/2/21</a:t>
+            </a:r>
           </a:p>
         </p:txBody>
       </p:sp>
@@ -1167,7 +1526,10 @@
           <a:bodyPr/>
           <a:lstStyle/>
           <a:p>
-            <a:endParaRPr lang="en-US"/>
+            <a:r>
+              <a:rPr lang="en-US"/>
+              <a:t>Peter Goff</a:t>
+            </a:r>
           </a:p>
         </p:txBody>
       </p:sp>
@@ -1403,11 +1765,10 @@
           <a:bodyPr/>
           <a:lstStyle/>
           <a:p>
-            <a:fld id="{6BE99633-FB40-6B4F-AE72-C137CBA78837}" type="datetimeFigureOut">
-              <a:rPr lang="en-US" smtClean="0"/>
-              <a:t>4/1/21</a:t>
-            </a:fld>
-            <a:endParaRPr lang="en-US"/>
+            <a:r>
+              <a:rPr lang="en-US"/>
+              <a:t>4/2/21</a:t>
+            </a:r>
           </a:p>
         </p:txBody>
       </p:sp>
@@ -1432,7 +1793,10 @@
           <a:bodyPr/>
           <a:lstStyle/>
           <a:p>
-            <a:endParaRPr lang="en-US"/>
+            <a:r>
+              <a:rPr lang="en-US"/>
+              <a:t>Peter Goff</a:t>
+            </a:r>
           </a:p>
         </p:txBody>
       </p:sp>
@@ -1815,11 +2179,10 @@
           <a:bodyPr/>
           <a:lstStyle/>
           <a:p>
-            <a:fld id="{6BE99633-FB40-6B4F-AE72-C137CBA78837}" type="datetimeFigureOut">
-              <a:rPr lang="en-US" smtClean="0"/>
-              <a:t>4/1/21</a:t>
-            </a:fld>
-            <a:endParaRPr lang="en-US"/>
+            <a:r>
+              <a:rPr lang="en-US"/>
+              <a:t>4/2/21</a:t>
+            </a:r>
           </a:p>
         </p:txBody>
       </p:sp>
@@ -1844,7 +2207,10 @@
           <a:bodyPr/>
           <a:lstStyle/>
           <a:p>
-            <a:endParaRPr lang="en-US"/>
+            <a:r>
+              <a:rPr lang="en-US"/>
+              <a:t>Peter Goff</a:t>
+            </a:r>
           </a:p>
         </p:txBody>
       </p:sp>
@@ -1956,11 +2322,10 @@
           <a:bodyPr/>
           <a:lstStyle/>
           <a:p>
-            <a:fld id="{6BE99633-FB40-6B4F-AE72-C137CBA78837}" type="datetimeFigureOut">
-              <a:rPr lang="en-US" smtClean="0"/>
-              <a:t>4/1/21</a:t>
-            </a:fld>
-            <a:endParaRPr lang="en-US"/>
+            <a:r>
+              <a:rPr lang="en-US"/>
+              <a:t>4/2/21</a:t>
+            </a:r>
           </a:p>
         </p:txBody>
       </p:sp>
@@ -1985,7 +2350,10 @@
           <a:bodyPr/>
           <a:lstStyle/>
           <a:p>
-            <a:endParaRPr lang="en-US"/>
+            <a:r>
+              <a:rPr lang="en-US"/>
+              <a:t>Peter Goff</a:t>
+            </a:r>
           </a:p>
         </p:txBody>
       </p:sp>
@@ -2069,11 +2437,10 @@
           <a:bodyPr/>
           <a:lstStyle/>
           <a:p>
-            <a:fld id="{6BE99633-FB40-6B4F-AE72-C137CBA78837}" type="datetimeFigureOut">
-              <a:rPr lang="en-US" smtClean="0"/>
-              <a:t>4/1/21</a:t>
-            </a:fld>
-            <a:endParaRPr lang="en-US"/>
+            <a:r>
+              <a:rPr lang="en-US"/>
+              <a:t>4/2/21</a:t>
+            </a:r>
           </a:p>
         </p:txBody>
       </p:sp>
@@ -2098,7 +2465,10 @@
           <a:bodyPr/>
           <a:lstStyle/>
           <a:p>
-            <a:endParaRPr lang="en-US"/>
+            <a:r>
+              <a:rPr lang="en-US"/>
+              <a:t>Peter Goff</a:t>
+            </a:r>
           </a:p>
         </p:txBody>
       </p:sp>
@@ -2380,11 +2750,10 @@
           <a:bodyPr/>
           <a:lstStyle/>
           <a:p>
-            <a:fld id="{6BE99633-FB40-6B4F-AE72-C137CBA78837}" type="datetimeFigureOut">
-              <a:rPr lang="en-US" smtClean="0"/>
-              <a:t>4/1/21</a:t>
-            </a:fld>
-            <a:endParaRPr lang="en-US"/>
+            <a:r>
+              <a:rPr lang="en-US"/>
+              <a:t>4/2/21</a:t>
+            </a:r>
           </a:p>
         </p:txBody>
       </p:sp>
@@ -2409,7 +2778,10 @@
           <a:bodyPr/>
           <a:lstStyle/>
           <a:p>
-            <a:endParaRPr lang="en-US"/>
+            <a:r>
+              <a:rPr lang="en-US"/>
+              <a:t>Peter Goff</a:t>
+            </a:r>
           </a:p>
         </p:txBody>
       </p:sp>
@@ -2668,11 +3040,10 @@
           <a:bodyPr/>
           <a:lstStyle/>
           <a:p>
-            <a:fld id="{6BE99633-FB40-6B4F-AE72-C137CBA78837}" type="datetimeFigureOut">
-              <a:rPr lang="en-US" smtClean="0"/>
-              <a:t>4/1/21</a:t>
-            </a:fld>
-            <a:endParaRPr lang="en-US"/>
+            <a:r>
+              <a:rPr lang="en-US"/>
+              <a:t>4/2/21</a:t>
+            </a:r>
           </a:p>
         </p:txBody>
       </p:sp>
@@ -2697,7 +3068,10 @@
           <a:bodyPr/>
           <a:lstStyle/>
           <a:p>
-            <a:endParaRPr lang="en-US"/>
+            <a:r>
+              <a:rPr lang="en-US"/>
+              <a:t>Peter Goff</a:t>
+            </a:r>
           </a:p>
         </p:txBody>
       </p:sp>
@@ -2909,11 +3283,10 @@
             </a:lvl1pPr>
           </a:lstStyle>
           <a:p>
-            <a:fld id="{6BE99633-FB40-6B4F-AE72-C137CBA78837}" type="datetimeFigureOut">
-              <a:rPr lang="en-US" smtClean="0"/>
-              <a:t>4/1/21</a:t>
-            </a:fld>
-            <a:endParaRPr lang="en-US"/>
+            <a:r>
+              <a:rPr lang="en-US"/>
+              <a:t>4/2/21</a:t>
+            </a:r>
           </a:p>
         </p:txBody>
       </p:sp>
@@ -2956,7 +3329,10 @@
             </a:lvl1pPr>
           </a:lstStyle>
           <a:p>
-            <a:endParaRPr lang="en-US"/>
+            <a:r>
+              <a:rPr lang="en-US" dirty="0"/>
+              <a:t>Peter Goff</a:t>
+            </a:r>
           </a:p>
         </p:txBody>
       </p:sp>
@@ -3028,6 +3404,7 @@
     <p:sldLayoutId id="2147483658" r:id="rId10"/>
     <p:sldLayoutId id="2147483659" r:id="rId11"/>
   </p:sldLayoutIdLst>
+  <p:hf hdr="0"/>
   <p:txStyles>
     <p:titleStyle>
       <a:lvl1pPr algn="l" defTabSz="914400" rtl="0" eaLnBrk="1" latinLnBrk="0" hangingPunct="1">
@@ -3328,6 +3705,173 @@
           <a:chExt cx="0" cy="0"/>
         </a:xfrm>
       </p:grpSpPr>
+      <p:sp>
+        <p:nvSpPr>
+          <p:cNvPr id="34" name="Rectangle 33">
+            <a:extLst>
+              <a:ext uri="{FF2B5EF4-FFF2-40B4-BE49-F238E27FC236}">
+                <a16:creationId xmlns:a16="http://schemas.microsoft.com/office/drawing/2014/main" id="{9AA94ACF-9D03-6C44-9173-114A2D84527F}"/>
+              </a:ext>
+            </a:extLst>
+          </p:cNvPr>
+          <p:cNvSpPr/>
+          <p:nvPr/>
+        </p:nvSpPr>
+        <p:spPr>
+          <a:xfrm>
+            <a:off x="341086" y="885149"/>
+            <a:ext cx="11509828" cy="1200329"/>
+          </a:xfrm>
+          <a:prstGeom prst="rect">
+            <a:avLst/>
+          </a:prstGeom>
+        </p:spPr>
+        <p:txBody>
+          <a:bodyPr wrap="square">
+            <a:spAutoFit/>
+          </a:bodyPr>
+          <a:lstStyle/>
+          <a:p>
+            <a:pPr algn="ctr"/>
+            <a:r>
+              <a:rPr lang="en-US" sz="3600" dirty="0"/>
+              <a:t>Heterogeneity in Public Transit Usage During a Pandemic: </a:t>
+            </a:r>
+          </a:p>
+          <a:p>
+            <a:pPr algn="ctr"/>
+            <a:r>
+              <a:rPr lang="en-US" sz="3600" dirty="0"/>
+              <a:t>The case of NYC</a:t>
+            </a:r>
+          </a:p>
+        </p:txBody>
+      </p:sp>
+      <p:sp>
+        <p:nvSpPr>
+          <p:cNvPr id="36" name="Rectangle 35">
+            <a:extLst>
+              <a:ext uri="{FF2B5EF4-FFF2-40B4-BE49-F238E27FC236}">
+                <a16:creationId xmlns:a16="http://schemas.microsoft.com/office/drawing/2014/main" id="{057512E6-A69A-A047-BBF0-4A90D8ED554A}"/>
+              </a:ext>
+            </a:extLst>
+          </p:cNvPr>
+          <p:cNvSpPr/>
+          <p:nvPr/>
+        </p:nvSpPr>
+        <p:spPr>
+          <a:xfrm>
+            <a:off x="341086" y="3373789"/>
+            <a:ext cx="11509828" cy="1891287"/>
+          </a:xfrm>
+          <a:prstGeom prst="rect">
+            <a:avLst/>
+          </a:prstGeom>
+        </p:spPr>
+        <p:txBody>
+          <a:bodyPr wrap="square">
+            <a:spAutoFit/>
+          </a:bodyPr>
+          <a:lstStyle/>
+          <a:p>
+            <a:pPr algn="ctr">
+              <a:lnSpc>
+                <a:spcPct val="150000"/>
+              </a:lnSpc>
+            </a:pPr>
+            <a:r>
+              <a:rPr lang="en-US" sz="2000" dirty="0"/>
+              <a:t>Given the research on infection transmission and social proximity, MTA trains and stations are a likely source of virus propagation. As such, a better understanding of MTA usage during an outbreak can help determine if and how ridership policies, such as limiting hours of operation or instituting daily maximums, may complement existing policy to slow the spread of the virus.</a:t>
+            </a:r>
+          </a:p>
+        </p:txBody>
+      </p:sp>
+      <p:sp>
+        <p:nvSpPr>
+          <p:cNvPr id="38" name="Footer Placeholder 37">
+            <a:extLst>
+              <a:ext uri="{FF2B5EF4-FFF2-40B4-BE49-F238E27FC236}">
+                <a16:creationId xmlns:a16="http://schemas.microsoft.com/office/drawing/2014/main" id="{25A2653E-A321-DD4F-8C50-A576F5E992BD}"/>
+              </a:ext>
+            </a:extLst>
+          </p:cNvPr>
+          <p:cNvSpPr>
+            <a:spLocks noGrp="1"/>
+          </p:cNvSpPr>
+          <p:nvPr>
+            <p:ph type="ftr" sz="quarter" idx="11"/>
+          </p:nvPr>
+        </p:nvSpPr>
+        <p:spPr/>
+        <p:txBody>
+          <a:bodyPr/>
+          <a:lstStyle/>
+          <a:p>
+            <a:r>
+              <a:rPr lang="en-US"/>
+              <a:t>Peter Goff</a:t>
+            </a:r>
+            <a:endParaRPr lang="en-US" dirty="0"/>
+          </a:p>
+        </p:txBody>
+      </p:sp>
+      <p:sp>
+        <p:nvSpPr>
+          <p:cNvPr id="39" name="Slide Number Placeholder 38">
+            <a:extLst>
+              <a:ext uri="{FF2B5EF4-FFF2-40B4-BE49-F238E27FC236}">
+                <a16:creationId xmlns:a16="http://schemas.microsoft.com/office/drawing/2014/main" id="{B783124D-3B25-484B-B034-618FC73742D7}"/>
+              </a:ext>
+            </a:extLst>
+          </p:cNvPr>
+          <p:cNvSpPr>
+            <a:spLocks noGrp="1"/>
+          </p:cNvSpPr>
+          <p:nvPr>
+            <p:ph type="sldNum" sz="quarter" idx="12"/>
+          </p:nvPr>
+        </p:nvSpPr>
+        <p:spPr/>
+        <p:txBody>
+          <a:bodyPr/>
+          <a:lstStyle/>
+          <a:p>
+            <a:fld id="{831E630A-22E4-E94B-A484-0F7667DE9086}" type="slidenum">
+              <a:rPr lang="en-US" smtClean="0"/>
+              <a:t>1</a:t>
+            </a:fld>
+            <a:endParaRPr lang="en-US"/>
+          </a:p>
+        </p:txBody>
+      </p:sp>
+      <p:sp>
+        <p:nvSpPr>
+          <p:cNvPr id="40" name="Date Placeholder 39">
+            <a:extLst>
+              <a:ext uri="{FF2B5EF4-FFF2-40B4-BE49-F238E27FC236}">
+                <a16:creationId xmlns:a16="http://schemas.microsoft.com/office/drawing/2014/main" id="{9A1B152C-93AD-0042-B46E-175256CBC9FD}"/>
+              </a:ext>
+            </a:extLst>
+          </p:cNvPr>
+          <p:cNvSpPr>
+            <a:spLocks noGrp="1"/>
+          </p:cNvSpPr>
+          <p:nvPr>
+            <p:ph type="dt" sz="half" idx="10"/>
+          </p:nvPr>
+        </p:nvSpPr>
+        <p:spPr/>
+        <p:txBody>
+          <a:bodyPr/>
+          <a:lstStyle/>
+          <a:p>
+            <a:r>
+              <a:rPr lang="en-US"/>
+              <a:t>4/2/21</a:t>
+            </a:r>
+          </a:p>
+        </p:txBody>
+      </p:sp>
     </p:spTree>
     <p:extLst>
       <p:ext uri="{BB962C8B-B14F-4D97-AF65-F5344CB8AC3E}">
@@ -3358,6 +3902,791 @@
           <a:chExt cx="0" cy="0"/>
         </a:xfrm>
       </p:grpSpPr>
+      <p:sp>
+        <p:nvSpPr>
+          <p:cNvPr id="2" name="Footer Placeholder 1">
+            <a:extLst>
+              <a:ext uri="{FF2B5EF4-FFF2-40B4-BE49-F238E27FC236}">
+                <a16:creationId xmlns:a16="http://schemas.microsoft.com/office/drawing/2014/main" id="{A5F07A68-B173-0F42-9A75-2C5CDF410257}"/>
+              </a:ext>
+            </a:extLst>
+          </p:cNvPr>
+          <p:cNvSpPr>
+            <a:spLocks noGrp="1"/>
+          </p:cNvSpPr>
+          <p:nvPr>
+            <p:ph type="ftr" sz="quarter" idx="11"/>
+          </p:nvPr>
+        </p:nvSpPr>
+        <p:spPr/>
+        <p:txBody>
+          <a:bodyPr/>
+          <a:lstStyle/>
+          <a:p>
+            <a:r>
+              <a:rPr lang="en-US"/>
+              <a:t>Peter Goff</a:t>
+            </a:r>
+            <a:endParaRPr lang="en-US" dirty="0"/>
+          </a:p>
+        </p:txBody>
+      </p:sp>
+      <p:sp>
+        <p:nvSpPr>
+          <p:cNvPr id="3" name="Slide Number Placeholder 2">
+            <a:extLst>
+              <a:ext uri="{FF2B5EF4-FFF2-40B4-BE49-F238E27FC236}">
+                <a16:creationId xmlns:a16="http://schemas.microsoft.com/office/drawing/2014/main" id="{EB90D628-2D5C-0D4E-8E21-40B3947806A9}"/>
+              </a:ext>
+            </a:extLst>
+          </p:cNvPr>
+          <p:cNvSpPr>
+            <a:spLocks noGrp="1"/>
+          </p:cNvSpPr>
+          <p:nvPr>
+            <p:ph type="sldNum" sz="quarter" idx="12"/>
+          </p:nvPr>
+        </p:nvSpPr>
+        <p:spPr/>
+        <p:txBody>
+          <a:bodyPr/>
+          <a:lstStyle/>
+          <a:p>
+            <a:fld id="{831E630A-22E4-E94B-A484-0F7667DE9086}" type="slidenum">
+              <a:rPr lang="en-US" smtClean="0"/>
+              <a:t>2</a:t>
+            </a:fld>
+            <a:endParaRPr lang="en-US"/>
+          </a:p>
+        </p:txBody>
+      </p:sp>
+      <p:sp>
+        <p:nvSpPr>
+          <p:cNvPr id="4" name="Date Placeholder 3">
+            <a:extLst>
+              <a:ext uri="{FF2B5EF4-FFF2-40B4-BE49-F238E27FC236}">
+                <a16:creationId xmlns:a16="http://schemas.microsoft.com/office/drawing/2014/main" id="{88EEDB23-1D16-BA44-B82C-EAF1F292FB77}"/>
+              </a:ext>
+            </a:extLst>
+          </p:cNvPr>
+          <p:cNvSpPr>
+            <a:spLocks noGrp="1"/>
+          </p:cNvSpPr>
+          <p:nvPr>
+            <p:ph type="dt" sz="half" idx="10"/>
+          </p:nvPr>
+        </p:nvSpPr>
+        <p:spPr/>
+        <p:txBody>
+          <a:bodyPr/>
+          <a:lstStyle/>
+          <a:p>
+            <a:r>
+              <a:rPr lang="en-US"/>
+              <a:t>4/2/21</a:t>
+            </a:r>
+          </a:p>
+        </p:txBody>
+      </p:sp>
+      <p:sp>
+        <p:nvSpPr>
+          <p:cNvPr id="5" name="Rectangle 4">
+            <a:extLst>
+              <a:ext uri="{FF2B5EF4-FFF2-40B4-BE49-F238E27FC236}">
+                <a16:creationId xmlns:a16="http://schemas.microsoft.com/office/drawing/2014/main" id="{99689395-1A82-9D4E-A850-21C409CB77E9}"/>
+              </a:ext>
+            </a:extLst>
+          </p:cNvPr>
+          <p:cNvSpPr/>
+          <p:nvPr/>
+        </p:nvSpPr>
+        <p:spPr>
+          <a:xfrm>
+            <a:off x="1662545" y="863165"/>
+            <a:ext cx="1524000" cy="648286"/>
+          </a:xfrm>
+          <a:prstGeom prst="rect">
+            <a:avLst/>
+          </a:prstGeom>
+        </p:spPr>
+        <p:style>
+          <a:lnRef idx="2">
+            <a:schemeClr val="accent1">
+              <a:shade val="50000"/>
+            </a:schemeClr>
+          </a:lnRef>
+          <a:fillRef idx="1">
+            <a:schemeClr val="accent1"/>
+          </a:fillRef>
+          <a:effectRef idx="0">
+            <a:schemeClr val="accent1"/>
+          </a:effectRef>
+          <a:fontRef idx="minor">
+            <a:schemeClr val="lt1"/>
+          </a:fontRef>
+        </p:style>
+        <p:txBody>
+          <a:bodyPr rtlCol="0" anchor="ctr"/>
+          <a:lstStyle/>
+          <a:p>
+            <a:pPr algn="ctr"/>
+            <a:r>
+              <a:rPr lang="en-US" dirty="0"/>
+              <a:t>July</a:t>
+            </a:r>
+          </a:p>
+          <a:p>
+            <a:pPr algn="ctr"/>
+            <a:r>
+              <a:rPr lang="en-US" dirty="0"/>
+              <a:t>2020</a:t>
+            </a:r>
+          </a:p>
+        </p:txBody>
+      </p:sp>
+      <p:sp>
+        <p:nvSpPr>
+          <p:cNvPr id="6" name="Rectangle 5">
+            <a:extLst>
+              <a:ext uri="{FF2B5EF4-FFF2-40B4-BE49-F238E27FC236}">
+                <a16:creationId xmlns:a16="http://schemas.microsoft.com/office/drawing/2014/main" id="{F713C265-9C3E-FB4A-8D98-0069A74D0BB1}"/>
+              </a:ext>
+            </a:extLst>
+          </p:cNvPr>
+          <p:cNvSpPr/>
+          <p:nvPr/>
+        </p:nvSpPr>
+        <p:spPr>
+          <a:xfrm>
+            <a:off x="1662545" y="4215105"/>
+            <a:ext cx="1524000" cy="648286"/>
+          </a:xfrm>
+          <a:prstGeom prst="rect">
+            <a:avLst/>
+          </a:prstGeom>
+        </p:spPr>
+        <p:style>
+          <a:lnRef idx="2">
+            <a:schemeClr val="accent1">
+              <a:shade val="50000"/>
+            </a:schemeClr>
+          </a:lnRef>
+          <a:fillRef idx="1">
+            <a:schemeClr val="accent1"/>
+          </a:fillRef>
+          <a:effectRef idx="0">
+            <a:schemeClr val="accent1"/>
+          </a:effectRef>
+          <a:fontRef idx="minor">
+            <a:schemeClr val="lt1"/>
+          </a:fontRef>
+        </p:style>
+        <p:txBody>
+          <a:bodyPr rtlCol="0" anchor="ctr"/>
+          <a:lstStyle/>
+          <a:p>
+            <a:pPr algn="ctr"/>
+            <a:r>
+              <a:rPr lang="en-US" dirty="0"/>
+              <a:t>July</a:t>
+            </a:r>
+          </a:p>
+          <a:p>
+            <a:pPr algn="ctr"/>
+            <a:r>
+              <a:rPr lang="en-US" dirty="0"/>
+              <a:t>2017</a:t>
+            </a:r>
+          </a:p>
+        </p:txBody>
+      </p:sp>
+      <p:sp>
+        <p:nvSpPr>
+          <p:cNvPr id="7" name="Rectangle 6">
+            <a:extLst>
+              <a:ext uri="{FF2B5EF4-FFF2-40B4-BE49-F238E27FC236}">
+                <a16:creationId xmlns:a16="http://schemas.microsoft.com/office/drawing/2014/main" id="{E4442283-F2A2-7C49-AA8B-84D0CA1CF3C6}"/>
+              </a:ext>
+            </a:extLst>
+          </p:cNvPr>
+          <p:cNvSpPr/>
+          <p:nvPr/>
+        </p:nvSpPr>
+        <p:spPr>
+          <a:xfrm>
+            <a:off x="1662545" y="3329136"/>
+            <a:ext cx="1524000" cy="648286"/>
+          </a:xfrm>
+          <a:prstGeom prst="rect">
+            <a:avLst/>
+          </a:prstGeom>
+        </p:spPr>
+        <p:style>
+          <a:lnRef idx="2">
+            <a:schemeClr val="accent1">
+              <a:shade val="50000"/>
+            </a:schemeClr>
+          </a:lnRef>
+          <a:fillRef idx="1">
+            <a:schemeClr val="accent1"/>
+          </a:fillRef>
+          <a:effectRef idx="0">
+            <a:schemeClr val="accent1"/>
+          </a:effectRef>
+          <a:fontRef idx="minor">
+            <a:schemeClr val="lt1"/>
+          </a:fontRef>
+        </p:style>
+        <p:txBody>
+          <a:bodyPr rtlCol="0" anchor="ctr"/>
+          <a:lstStyle/>
+          <a:p>
+            <a:pPr algn="ctr"/>
+            <a:r>
+              <a:rPr lang="en-US" dirty="0"/>
+              <a:t>July</a:t>
+            </a:r>
+          </a:p>
+          <a:p>
+            <a:pPr algn="ctr"/>
+            <a:r>
+              <a:rPr lang="en-US" dirty="0"/>
+              <a:t>2018</a:t>
+            </a:r>
+          </a:p>
+        </p:txBody>
+      </p:sp>
+      <p:sp>
+        <p:nvSpPr>
+          <p:cNvPr id="8" name="Rectangle 7">
+            <a:extLst>
+              <a:ext uri="{FF2B5EF4-FFF2-40B4-BE49-F238E27FC236}">
+                <a16:creationId xmlns:a16="http://schemas.microsoft.com/office/drawing/2014/main" id="{4A4BCC80-4224-F84B-B778-72392DFAC922}"/>
+              </a:ext>
+            </a:extLst>
+          </p:cNvPr>
+          <p:cNvSpPr/>
+          <p:nvPr/>
+        </p:nvSpPr>
+        <p:spPr>
+          <a:xfrm>
+            <a:off x="1662545" y="2478520"/>
+            <a:ext cx="1524000" cy="648286"/>
+          </a:xfrm>
+          <a:prstGeom prst="rect">
+            <a:avLst/>
+          </a:prstGeom>
+        </p:spPr>
+        <p:style>
+          <a:lnRef idx="2">
+            <a:schemeClr val="accent1">
+              <a:shade val="50000"/>
+            </a:schemeClr>
+          </a:lnRef>
+          <a:fillRef idx="1">
+            <a:schemeClr val="accent1"/>
+          </a:fillRef>
+          <a:effectRef idx="0">
+            <a:schemeClr val="accent1"/>
+          </a:effectRef>
+          <a:fontRef idx="minor">
+            <a:schemeClr val="lt1"/>
+          </a:fontRef>
+        </p:style>
+        <p:txBody>
+          <a:bodyPr rtlCol="0" anchor="ctr"/>
+          <a:lstStyle/>
+          <a:p>
+            <a:pPr algn="ctr"/>
+            <a:r>
+              <a:rPr lang="en-US" dirty="0"/>
+              <a:t>July</a:t>
+            </a:r>
+          </a:p>
+          <a:p>
+            <a:pPr algn="ctr"/>
+            <a:r>
+              <a:rPr lang="en-US" dirty="0"/>
+              <a:t>2019</a:t>
+            </a:r>
+          </a:p>
+        </p:txBody>
+      </p:sp>
+      <p:sp>
+        <p:nvSpPr>
+          <p:cNvPr id="9" name="TextBox 8">
+            <a:extLst>
+              <a:ext uri="{FF2B5EF4-FFF2-40B4-BE49-F238E27FC236}">
+                <a16:creationId xmlns:a16="http://schemas.microsoft.com/office/drawing/2014/main" id="{00F774E7-FA6C-2A49-B316-7F04507DA6B5}"/>
+              </a:ext>
+            </a:extLst>
+          </p:cNvPr>
+          <p:cNvSpPr txBox="1"/>
+          <p:nvPr/>
+        </p:nvSpPr>
+        <p:spPr>
+          <a:xfrm>
+            <a:off x="838200" y="5505734"/>
+            <a:ext cx="10493642" cy="369332"/>
+          </a:xfrm>
+          <a:prstGeom prst="rect">
+            <a:avLst/>
+          </a:prstGeom>
+          <a:noFill/>
+        </p:spPr>
+        <p:txBody>
+          <a:bodyPr wrap="none" rtlCol="0">
+            <a:spAutoFit/>
+          </a:bodyPr>
+          <a:lstStyle/>
+          <a:p>
+            <a:r>
+              <a:rPr lang="en-US" dirty="0"/>
+              <a:t>3,558,944 observations of 5,116 </a:t>
+            </a:r>
+            <a:r>
+              <a:rPr lang="en-US" dirty="0" err="1"/>
+              <a:t>turnstyles</a:t>
+            </a:r>
+            <a:r>
+              <a:rPr lang="en-US" dirty="0"/>
+              <a:t> across 426 station complexes clustered in 4-hour daily time-blocks</a:t>
+            </a:r>
+          </a:p>
+        </p:txBody>
+      </p:sp>
+      <p:sp>
+        <p:nvSpPr>
+          <p:cNvPr id="10" name="Rectangle 9">
+            <a:extLst>
+              <a:ext uri="{FF2B5EF4-FFF2-40B4-BE49-F238E27FC236}">
+                <a16:creationId xmlns:a16="http://schemas.microsoft.com/office/drawing/2014/main" id="{86275D65-E678-704D-8583-623BC695774A}"/>
+              </a:ext>
+            </a:extLst>
+          </p:cNvPr>
+          <p:cNvSpPr/>
+          <p:nvPr/>
+        </p:nvSpPr>
+        <p:spPr>
+          <a:xfrm>
+            <a:off x="3789218" y="863165"/>
+            <a:ext cx="1524000" cy="648286"/>
+          </a:xfrm>
+          <a:prstGeom prst="rect">
+            <a:avLst/>
+          </a:prstGeom>
+        </p:spPr>
+        <p:style>
+          <a:lnRef idx="2">
+            <a:schemeClr val="accent1">
+              <a:shade val="50000"/>
+            </a:schemeClr>
+          </a:lnRef>
+          <a:fillRef idx="1">
+            <a:schemeClr val="accent1"/>
+          </a:fillRef>
+          <a:effectRef idx="0">
+            <a:schemeClr val="accent1"/>
+          </a:effectRef>
+          <a:fontRef idx="minor">
+            <a:schemeClr val="lt1"/>
+          </a:fontRef>
+        </p:style>
+        <p:txBody>
+          <a:bodyPr rtlCol="0" anchor="ctr"/>
+          <a:lstStyle/>
+          <a:p>
+            <a:pPr algn="ctr"/>
+            <a:r>
+              <a:rPr lang="en-US" dirty="0"/>
+              <a:t>GIS</a:t>
+            </a:r>
+          </a:p>
+        </p:txBody>
+      </p:sp>
+      <p:cxnSp>
+        <p:nvCxnSpPr>
+          <p:cNvPr id="12" name="Straight Arrow Connector 11">
+            <a:extLst>
+              <a:ext uri="{FF2B5EF4-FFF2-40B4-BE49-F238E27FC236}">
+                <a16:creationId xmlns:a16="http://schemas.microsoft.com/office/drawing/2014/main" id="{8CB21392-6794-3645-B629-F80AE1A5AB8A}"/>
+              </a:ext>
+            </a:extLst>
+          </p:cNvPr>
+          <p:cNvCxnSpPr/>
+          <p:nvPr/>
+        </p:nvCxnSpPr>
+        <p:spPr>
+          <a:xfrm>
+            <a:off x="5708073" y="1415377"/>
+            <a:ext cx="1330036" cy="0"/>
+          </a:xfrm>
+          <a:prstGeom prst="straightConnector1">
+            <a:avLst/>
+          </a:prstGeom>
+          <a:ln>
+            <a:tailEnd type="triangle"/>
+          </a:ln>
+        </p:spPr>
+        <p:style>
+          <a:lnRef idx="1">
+            <a:schemeClr val="accent1"/>
+          </a:lnRef>
+          <a:fillRef idx="0">
+            <a:schemeClr val="accent1"/>
+          </a:fillRef>
+          <a:effectRef idx="0">
+            <a:schemeClr val="accent1"/>
+          </a:effectRef>
+          <a:fontRef idx="minor">
+            <a:schemeClr val="tx1"/>
+          </a:fontRef>
+        </p:style>
+      </p:cxnSp>
+      <p:cxnSp>
+        <p:nvCxnSpPr>
+          <p:cNvPr id="13" name="Straight Arrow Connector 12">
+            <a:extLst>
+              <a:ext uri="{FF2B5EF4-FFF2-40B4-BE49-F238E27FC236}">
+                <a16:creationId xmlns:a16="http://schemas.microsoft.com/office/drawing/2014/main" id="{F7D1E6BA-A153-FF4E-81A4-AB674B6DA72A}"/>
+              </a:ext>
+            </a:extLst>
+          </p:cNvPr>
+          <p:cNvCxnSpPr>
+            <a:cxnSpLocks/>
+          </p:cNvCxnSpPr>
+          <p:nvPr/>
+        </p:nvCxnSpPr>
+        <p:spPr>
+          <a:xfrm>
+            <a:off x="5708073" y="1415377"/>
+            <a:ext cx="1330036" cy="481285"/>
+          </a:xfrm>
+          <a:prstGeom prst="straightConnector1">
+            <a:avLst/>
+          </a:prstGeom>
+          <a:ln>
+            <a:tailEnd type="triangle"/>
+          </a:ln>
+        </p:spPr>
+        <p:style>
+          <a:lnRef idx="1">
+            <a:schemeClr val="accent1"/>
+          </a:lnRef>
+          <a:fillRef idx="0">
+            <a:schemeClr val="accent1"/>
+          </a:fillRef>
+          <a:effectRef idx="0">
+            <a:schemeClr val="accent1"/>
+          </a:effectRef>
+          <a:fontRef idx="minor">
+            <a:schemeClr val="tx1"/>
+          </a:fontRef>
+        </p:style>
+      </p:cxnSp>
+      <p:cxnSp>
+        <p:nvCxnSpPr>
+          <p:cNvPr id="16" name="Straight Arrow Connector 15">
+            <a:extLst>
+              <a:ext uri="{FF2B5EF4-FFF2-40B4-BE49-F238E27FC236}">
+                <a16:creationId xmlns:a16="http://schemas.microsoft.com/office/drawing/2014/main" id="{E3BA02B2-C86C-6D4C-9468-77AC9B1068FE}"/>
+              </a:ext>
+            </a:extLst>
+          </p:cNvPr>
+          <p:cNvCxnSpPr>
+            <a:cxnSpLocks/>
+          </p:cNvCxnSpPr>
+          <p:nvPr/>
+        </p:nvCxnSpPr>
+        <p:spPr>
+          <a:xfrm>
+            <a:off x="5708073" y="1415376"/>
+            <a:ext cx="1330036" cy="1123629"/>
+          </a:xfrm>
+          <a:prstGeom prst="straightConnector1">
+            <a:avLst/>
+          </a:prstGeom>
+          <a:ln>
+            <a:tailEnd type="triangle"/>
+          </a:ln>
+        </p:spPr>
+        <p:style>
+          <a:lnRef idx="1">
+            <a:schemeClr val="accent1"/>
+          </a:lnRef>
+          <a:fillRef idx="0">
+            <a:schemeClr val="accent1"/>
+          </a:fillRef>
+          <a:effectRef idx="0">
+            <a:schemeClr val="accent1"/>
+          </a:effectRef>
+          <a:fontRef idx="minor">
+            <a:schemeClr val="tx1"/>
+          </a:fontRef>
+        </p:style>
+      </p:cxnSp>
+      <p:cxnSp>
+        <p:nvCxnSpPr>
+          <p:cNvPr id="19" name="Straight Arrow Connector 18">
+            <a:extLst>
+              <a:ext uri="{FF2B5EF4-FFF2-40B4-BE49-F238E27FC236}">
+                <a16:creationId xmlns:a16="http://schemas.microsoft.com/office/drawing/2014/main" id="{1524EBE2-1AF8-134A-B3BB-2A8B9709C8BD}"/>
+              </a:ext>
+            </a:extLst>
+          </p:cNvPr>
+          <p:cNvCxnSpPr>
+            <a:cxnSpLocks/>
+          </p:cNvCxnSpPr>
+          <p:nvPr/>
+        </p:nvCxnSpPr>
+        <p:spPr>
+          <a:xfrm>
+            <a:off x="5708073" y="1415375"/>
+            <a:ext cx="1330036" cy="1894311"/>
+          </a:xfrm>
+          <a:prstGeom prst="straightConnector1">
+            <a:avLst/>
+          </a:prstGeom>
+          <a:ln>
+            <a:tailEnd type="triangle"/>
+          </a:ln>
+        </p:spPr>
+        <p:style>
+          <a:lnRef idx="1">
+            <a:schemeClr val="accent1"/>
+          </a:lnRef>
+          <a:fillRef idx="0">
+            <a:schemeClr val="accent1"/>
+          </a:fillRef>
+          <a:effectRef idx="0">
+            <a:schemeClr val="accent1"/>
+          </a:effectRef>
+          <a:fontRef idx="minor">
+            <a:schemeClr val="tx1"/>
+          </a:fontRef>
+        </p:style>
+      </p:cxnSp>
+      <p:sp>
+        <p:nvSpPr>
+          <p:cNvPr id="22" name="TextBox 21">
+            <a:extLst>
+              <a:ext uri="{FF2B5EF4-FFF2-40B4-BE49-F238E27FC236}">
+                <a16:creationId xmlns:a16="http://schemas.microsoft.com/office/drawing/2014/main" id="{D74BA8AF-D443-864B-8808-C0DF167C46F6}"/>
+              </a:ext>
+            </a:extLst>
+          </p:cNvPr>
+          <p:cNvSpPr txBox="1"/>
+          <p:nvPr/>
+        </p:nvSpPr>
+        <p:spPr>
+          <a:xfrm>
+            <a:off x="7076975" y="1230709"/>
+            <a:ext cx="1533625" cy="369332"/>
+          </a:xfrm>
+          <a:prstGeom prst="rect">
+            <a:avLst/>
+          </a:prstGeom>
+          <a:noFill/>
+        </p:spPr>
+        <p:txBody>
+          <a:bodyPr wrap="none" rtlCol="0">
+            <a:spAutoFit/>
+          </a:bodyPr>
+          <a:lstStyle/>
+          <a:p>
+            <a:r>
+              <a:rPr lang="en-US" dirty="0"/>
+              <a:t>Daily ridership</a:t>
+            </a:r>
+          </a:p>
+        </p:txBody>
+      </p:sp>
+      <p:sp>
+        <p:nvSpPr>
+          <p:cNvPr id="23" name="TextBox 22">
+            <a:extLst>
+              <a:ext uri="{FF2B5EF4-FFF2-40B4-BE49-F238E27FC236}">
+                <a16:creationId xmlns:a16="http://schemas.microsoft.com/office/drawing/2014/main" id="{D08E9DDC-1333-B34E-8951-E56F851E0C04}"/>
+              </a:ext>
+            </a:extLst>
+          </p:cNvPr>
+          <p:cNvSpPr txBox="1"/>
+          <p:nvPr/>
+        </p:nvSpPr>
+        <p:spPr>
+          <a:xfrm>
+            <a:off x="7076975" y="1711996"/>
+            <a:ext cx="2586862" cy="369332"/>
+          </a:xfrm>
+          <a:prstGeom prst="rect">
+            <a:avLst/>
+          </a:prstGeom>
+          <a:noFill/>
+        </p:spPr>
+        <p:txBody>
+          <a:bodyPr wrap="none" rtlCol="0">
+            <a:spAutoFit/>
+          </a:bodyPr>
+          <a:lstStyle/>
+          <a:p>
+            <a:r>
+              <a:rPr lang="en-US" dirty="0"/>
+              <a:t>Day of the week ridership</a:t>
+            </a:r>
+          </a:p>
+        </p:txBody>
+      </p:sp>
+      <p:sp>
+        <p:nvSpPr>
+          <p:cNvPr id="24" name="TextBox 23">
+            <a:extLst>
+              <a:ext uri="{FF2B5EF4-FFF2-40B4-BE49-F238E27FC236}">
+                <a16:creationId xmlns:a16="http://schemas.microsoft.com/office/drawing/2014/main" id="{B35EEEE3-DDF4-7244-82C4-F267B8F0493A}"/>
+              </a:ext>
+            </a:extLst>
+          </p:cNvPr>
+          <p:cNvSpPr txBox="1"/>
+          <p:nvPr/>
+        </p:nvSpPr>
+        <p:spPr>
+          <a:xfrm>
+            <a:off x="7076975" y="2476734"/>
+            <a:ext cx="809837" cy="369332"/>
+          </a:xfrm>
+          <a:prstGeom prst="rect">
+            <a:avLst/>
+          </a:prstGeom>
+          <a:noFill/>
+        </p:spPr>
+        <p:txBody>
+          <a:bodyPr wrap="none" rtlCol="0">
+            <a:spAutoFit/>
+          </a:bodyPr>
+          <a:lstStyle/>
+          <a:p>
+            <a:r>
+              <a:rPr lang="en-US" dirty="0"/>
+              <a:t>Hourly</a:t>
+            </a:r>
+          </a:p>
+        </p:txBody>
+      </p:sp>
+      <p:sp>
+        <p:nvSpPr>
+          <p:cNvPr id="25" name="TextBox 24">
+            <a:extLst>
+              <a:ext uri="{FF2B5EF4-FFF2-40B4-BE49-F238E27FC236}">
+                <a16:creationId xmlns:a16="http://schemas.microsoft.com/office/drawing/2014/main" id="{E800F41D-3B4E-3746-89D4-2BA0492E3666}"/>
+              </a:ext>
+            </a:extLst>
+          </p:cNvPr>
+          <p:cNvSpPr txBox="1"/>
+          <p:nvPr/>
+        </p:nvSpPr>
+        <p:spPr>
+          <a:xfrm>
+            <a:off x="7034784" y="3275208"/>
+            <a:ext cx="2399118" cy="369332"/>
+          </a:xfrm>
+          <a:prstGeom prst="rect">
+            <a:avLst/>
+          </a:prstGeom>
+          <a:noFill/>
+        </p:spPr>
+        <p:txBody>
+          <a:bodyPr wrap="none" rtlCol="0">
+            <a:spAutoFit/>
+          </a:bodyPr>
+          <a:lstStyle/>
+          <a:p>
+            <a:r>
+              <a:rPr lang="en-US" dirty="0"/>
+              <a:t>Geographic distribution</a:t>
+            </a:r>
+          </a:p>
+        </p:txBody>
+      </p:sp>
+      <p:cxnSp>
+        <p:nvCxnSpPr>
+          <p:cNvPr id="26" name="Straight Arrow Connector 25">
+            <a:extLst>
+              <a:ext uri="{FF2B5EF4-FFF2-40B4-BE49-F238E27FC236}">
+                <a16:creationId xmlns:a16="http://schemas.microsoft.com/office/drawing/2014/main" id="{6C9BB78B-2350-A34A-B1BD-29CB4FF19779}"/>
+              </a:ext>
+            </a:extLst>
+          </p:cNvPr>
+          <p:cNvCxnSpPr/>
+          <p:nvPr/>
+        </p:nvCxnSpPr>
+        <p:spPr>
+          <a:xfrm>
+            <a:off x="5677593" y="927697"/>
+            <a:ext cx="1330036" cy="0"/>
+          </a:xfrm>
+          <a:prstGeom prst="straightConnector1">
+            <a:avLst/>
+          </a:prstGeom>
+          <a:ln>
+            <a:solidFill>
+              <a:srgbClr val="C00000"/>
+            </a:solidFill>
+            <a:tailEnd type="triangle"/>
+          </a:ln>
+        </p:spPr>
+        <p:style>
+          <a:lnRef idx="1">
+            <a:schemeClr val="accent1"/>
+          </a:lnRef>
+          <a:fillRef idx="0">
+            <a:schemeClr val="accent1"/>
+          </a:fillRef>
+          <a:effectRef idx="0">
+            <a:schemeClr val="accent1"/>
+          </a:effectRef>
+          <a:fontRef idx="minor">
+            <a:schemeClr val="tx1"/>
+          </a:fontRef>
+        </p:style>
+      </p:cxnSp>
+      <p:sp>
+        <p:nvSpPr>
+          <p:cNvPr id="27" name="TextBox 26">
+            <a:extLst>
+              <a:ext uri="{FF2B5EF4-FFF2-40B4-BE49-F238E27FC236}">
+                <a16:creationId xmlns:a16="http://schemas.microsoft.com/office/drawing/2014/main" id="{43739FFF-0E12-F140-AFC3-C8FAA4FBF19E}"/>
+              </a:ext>
+            </a:extLst>
+          </p:cNvPr>
+          <p:cNvSpPr txBox="1"/>
+          <p:nvPr/>
+        </p:nvSpPr>
+        <p:spPr>
+          <a:xfrm>
+            <a:off x="7076975" y="724872"/>
+            <a:ext cx="3046027" cy="369332"/>
+          </a:xfrm>
+          <a:prstGeom prst="rect">
+            <a:avLst/>
+          </a:prstGeom>
+          <a:noFill/>
+        </p:spPr>
+        <p:txBody>
+          <a:bodyPr wrap="none" rtlCol="0">
+            <a:spAutoFit/>
+          </a:bodyPr>
+          <a:lstStyle/>
+          <a:p>
+            <a:r>
+              <a:rPr lang="en-US" dirty="0">
+                <a:solidFill>
+                  <a:srgbClr val="C00000"/>
+                </a:solidFill>
+              </a:rPr>
+              <a:t>Proportional Ridership Change</a:t>
+            </a:r>
+          </a:p>
+        </p:txBody>
+      </p:sp>
     </p:spTree>
     <p:extLst>
       <p:ext uri="{BB962C8B-B14F-4D97-AF65-F5344CB8AC3E}">
@@ -3589,6 +4918,92 @@
           </a:fontRef>
         </p:style>
       </p:cxnSp>
+      <p:sp>
+        <p:nvSpPr>
+          <p:cNvPr id="13" name="Footer Placeholder 12">
+            <a:extLst>
+              <a:ext uri="{FF2B5EF4-FFF2-40B4-BE49-F238E27FC236}">
+                <a16:creationId xmlns:a16="http://schemas.microsoft.com/office/drawing/2014/main" id="{2A4C37E8-6941-2549-9778-909AB3EE8FEE}"/>
+              </a:ext>
+            </a:extLst>
+          </p:cNvPr>
+          <p:cNvSpPr>
+            <a:spLocks noGrp="1"/>
+          </p:cNvSpPr>
+          <p:nvPr>
+            <p:ph type="ftr" sz="quarter" idx="11"/>
+          </p:nvPr>
+        </p:nvSpPr>
+        <p:spPr/>
+        <p:txBody>
+          <a:bodyPr/>
+          <a:lstStyle/>
+          <a:p>
+            <a:r>
+              <a:rPr lang="en-US"/>
+              <a:t>Peter Goff</a:t>
+            </a:r>
+            <a:endParaRPr lang="en-US" dirty="0"/>
+          </a:p>
+        </p:txBody>
+      </p:sp>
+      <p:sp>
+        <p:nvSpPr>
+          <p:cNvPr id="14" name="Slide Number Placeholder 13">
+            <a:extLst>
+              <a:ext uri="{FF2B5EF4-FFF2-40B4-BE49-F238E27FC236}">
+                <a16:creationId xmlns:a16="http://schemas.microsoft.com/office/drawing/2014/main" id="{91AE4BC8-8FF6-F64B-8304-D6740411244B}"/>
+              </a:ext>
+            </a:extLst>
+          </p:cNvPr>
+          <p:cNvSpPr>
+            <a:spLocks noGrp="1"/>
+          </p:cNvSpPr>
+          <p:nvPr>
+            <p:ph type="sldNum" sz="quarter" idx="12"/>
+          </p:nvPr>
+        </p:nvSpPr>
+        <p:spPr/>
+        <p:txBody>
+          <a:bodyPr/>
+          <a:lstStyle/>
+          <a:p>
+            <a:fld id="{831E630A-22E4-E94B-A484-0F7667DE9086}" type="slidenum">
+              <a:rPr lang="en-US" smtClean="0"/>
+              <a:t>3</a:t>
+            </a:fld>
+            <a:endParaRPr lang="en-US"/>
+          </a:p>
+        </p:txBody>
+      </p:sp>
+      <p:sp>
+        <p:nvSpPr>
+          <p:cNvPr id="15" name="Date Placeholder 14">
+            <a:extLst>
+              <a:ext uri="{FF2B5EF4-FFF2-40B4-BE49-F238E27FC236}">
+                <a16:creationId xmlns:a16="http://schemas.microsoft.com/office/drawing/2014/main" id="{91B7D1C9-6741-344F-9E11-149818653F4E}"/>
+              </a:ext>
+            </a:extLst>
+          </p:cNvPr>
+          <p:cNvSpPr>
+            <a:spLocks noGrp="1"/>
+          </p:cNvSpPr>
+          <p:nvPr>
+            <p:ph type="dt" sz="half" idx="10"/>
+          </p:nvPr>
+        </p:nvSpPr>
+        <p:spPr/>
+        <p:txBody>
+          <a:bodyPr/>
+          <a:lstStyle/>
+          <a:p>
+            <a:r>
+              <a:rPr lang="en-US"/>
+              <a:t>4/2/21</a:t>
+            </a:r>
+          </a:p>
+        </p:txBody>
+      </p:sp>
     </p:spTree>
     <p:extLst>
       <p:ext uri="{BB962C8B-B14F-4D97-AF65-F5344CB8AC3E}">
@@ -3621,10 +5036,10 @@
       </p:grpSpPr>
       <p:pic>
         <p:nvPicPr>
-          <p:cNvPr id="3" name="Picture 2" descr="Chart&#10;&#10;Description automatically generated">
-            <a:extLst>
-              <a:ext uri="{FF2B5EF4-FFF2-40B4-BE49-F238E27FC236}">
-                <a16:creationId xmlns:a16="http://schemas.microsoft.com/office/drawing/2014/main" id="{9F4732F5-A098-8648-8322-F91FD9AC307E}"/>
+          <p:cNvPr id="3" name="Picture 2" descr="Chart, surface chart&#10;&#10;Description automatically generated">
+            <a:extLst>
+              <a:ext uri="{FF2B5EF4-FFF2-40B4-BE49-F238E27FC236}">
+                <a16:creationId xmlns:a16="http://schemas.microsoft.com/office/drawing/2014/main" id="{B03FFB8A-B6B7-DC47-886A-D436D2A52F54}"/>
               </a:ext>
             </a:extLst>
           </p:cNvPr>
@@ -3635,23 +5050,150 @@
         </p:nvPicPr>
         <p:blipFill rotWithShape="1">
           <a:blip r:embed="rId2"/>
-          <a:srcRect l="7313" r="8875"/>
+          <a:srcRect l="7977" r="9047"/>
           <a:stretch/>
         </p:blipFill>
         <p:spPr>
           <a:xfrm>
-            <a:off x="-20774" y="939800"/>
-            <a:ext cx="12150340" cy="4832350"/>
+            <a:off x="0" y="-263240"/>
+            <a:ext cx="12212011" cy="4905829"/>
           </a:xfrm>
           <a:prstGeom prst="rect">
             <a:avLst/>
           </a:prstGeom>
         </p:spPr>
       </p:pic>
+      <p:sp>
+        <p:nvSpPr>
+          <p:cNvPr id="4" name="Footer Placeholder 3">
+            <a:extLst>
+              <a:ext uri="{FF2B5EF4-FFF2-40B4-BE49-F238E27FC236}">
+                <a16:creationId xmlns:a16="http://schemas.microsoft.com/office/drawing/2014/main" id="{761F9A2D-7AB0-2F48-AEE3-F912F614911C}"/>
+              </a:ext>
+            </a:extLst>
+          </p:cNvPr>
+          <p:cNvSpPr>
+            <a:spLocks noGrp="1"/>
+          </p:cNvSpPr>
+          <p:nvPr>
+            <p:ph type="ftr" sz="quarter" idx="11"/>
+          </p:nvPr>
+        </p:nvSpPr>
+        <p:spPr/>
+        <p:txBody>
+          <a:bodyPr/>
+          <a:lstStyle/>
+          <a:p>
+            <a:r>
+              <a:rPr lang="en-US"/>
+              <a:t>Peter Goff</a:t>
+            </a:r>
+            <a:endParaRPr lang="en-US" dirty="0"/>
+          </a:p>
+        </p:txBody>
+      </p:sp>
+      <p:sp>
+        <p:nvSpPr>
+          <p:cNvPr id="5" name="Slide Number Placeholder 4">
+            <a:extLst>
+              <a:ext uri="{FF2B5EF4-FFF2-40B4-BE49-F238E27FC236}">
+                <a16:creationId xmlns:a16="http://schemas.microsoft.com/office/drawing/2014/main" id="{33A43947-4898-4A45-A0BE-BA3535C3B9F7}"/>
+              </a:ext>
+            </a:extLst>
+          </p:cNvPr>
+          <p:cNvSpPr>
+            <a:spLocks noGrp="1"/>
+          </p:cNvSpPr>
+          <p:nvPr>
+            <p:ph type="sldNum" sz="quarter" idx="12"/>
+          </p:nvPr>
+        </p:nvSpPr>
+        <p:spPr/>
+        <p:txBody>
+          <a:bodyPr/>
+          <a:lstStyle/>
+          <a:p>
+            <a:fld id="{831E630A-22E4-E94B-A484-0F7667DE9086}" type="slidenum">
+              <a:rPr lang="en-US" smtClean="0"/>
+              <a:t>4</a:t>
+            </a:fld>
+            <a:endParaRPr lang="en-US"/>
+          </a:p>
+        </p:txBody>
+      </p:sp>
+      <p:sp>
+        <p:nvSpPr>
+          <p:cNvPr id="6" name="Date Placeholder 5">
+            <a:extLst>
+              <a:ext uri="{FF2B5EF4-FFF2-40B4-BE49-F238E27FC236}">
+                <a16:creationId xmlns:a16="http://schemas.microsoft.com/office/drawing/2014/main" id="{5051E0B6-F160-E349-A8AC-21A49EB79E1C}"/>
+              </a:ext>
+            </a:extLst>
+          </p:cNvPr>
+          <p:cNvSpPr>
+            <a:spLocks noGrp="1"/>
+          </p:cNvSpPr>
+          <p:nvPr>
+            <p:ph type="dt" sz="half" idx="10"/>
+          </p:nvPr>
+        </p:nvSpPr>
+        <p:spPr/>
+        <p:txBody>
+          <a:bodyPr/>
+          <a:lstStyle/>
+          <a:p>
+            <a:r>
+              <a:rPr lang="en-US"/>
+              <a:t>4/2/21</a:t>
+            </a:r>
+          </a:p>
+        </p:txBody>
+      </p:sp>
+      <p:sp>
+        <p:nvSpPr>
+          <p:cNvPr id="7" name="TextBox 6">
+            <a:extLst>
+              <a:ext uri="{FF2B5EF4-FFF2-40B4-BE49-F238E27FC236}">
+                <a16:creationId xmlns:a16="http://schemas.microsoft.com/office/drawing/2014/main" id="{61BCED1D-2D3B-DF48-8FB8-C6C722B88359}"/>
+              </a:ext>
+            </a:extLst>
+          </p:cNvPr>
+          <p:cNvSpPr txBox="1"/>
+          <p:nvPr/>
+        </p:nvSpPr>
+        <p:spPr>
+          <a:xfrm>
+            <a:off x="2058742" y="5176304"/>
+            <a:ext cx="6551858" cy="646331"/>
+          </a:xfrm>
+          <a:prstGeom prst="rect">
+            <a:avLst/>
+          </a:prstGeom>
+          <a:noFill/>
+        </p:spPr>
+        <p:txBody>
+          <a:bodyPr wrap="none" rtlCol="0">
+            <a:spAutoFit/>
+          </a:bodyPr>
+          <a:lstStyle/>
+          <a:p>
+            <a:r>
+              <a:rPr lang="en-US" dirty="0"/>
+              <a:t>Bandwidth available in the 4:00 - 8:00 AM block. </a:t>
+            </a:r>
+          </a:p>
+          <a:p>
+            <a:r>
+              <a:rPr lang="en-US" dirty="0"/>
+              <a:t>Fare reductions could incentivize people to take an earlier commute</a:t>
+            </a:r>
+          </a:p>
+        </p:txBody>
+      </p:sp>
     </p:spTree>
     <p:extLst>
       <p:ext uri="{BB962C8B-B14F-4D97-AF65-F5344CB8AC3E}">
-        <p14:creationId xmlns:p14="http://schemas.microsoft.com/office/powerpoint/2010/main" val="3173957906"/>
+        <p14:creationId xmlns:p14="http://schemas.microsoft.com/office/powerpoint/2010/main" val="3160069388"/>
       </p:ext>
     </p:extLst>
   </p:cSld>
@@ -3707,6 +5249,92 @@
           </a:prstGeom>
         </p:spPr>
       </p:pic>
+      <p:sp>
+        <p:nvSpPr>
+          <p:cNvPr id="4" name="Footer Placeholder 3">
+            <a:extLst>
+              <a:ext uri="{FF2B5EF4-FFF2-40B4-BE49-F238E27FC236}">
+                <a16:creationId xmlns:a16="http://schemas.microsoft.com/office/drawing/2014/main" id="{7C92CBBD-3AC5-BD4B-8AF2-2F62438F1247}"/>
+              </a:ext>
+            </a:extLst>
+          </p:cNvPr>
+          <p:cNvSpPr>
+            <a:spLocks noGrp="1"/>
+          </p:cNvSpPr>
+          <p:nvPr>
+            <p:ph type="ftr" sz="quarter" idx="11"/>
+          </p:nvPr>
+        </p:nvSpPr>
+        <p:spPr/>
+        <p:txBody>
+          <a:bodyPr/>
+          <a:lstStyle/>
+          <a:p>
+            <a:r>
+              <a:rPr lang="en-US"/>
+              <a:t>Peter Goff</a:t>
+            </a:r>
+            <a:endParaRPr lang="en-US" dirty="0"/>
+          </a:p>
+        </p:txBody>
+      </p:sp>
+      <p:sp>
+        <p:nvSpPr>
+          <p:cNvPr id="5" name="Slide Number Placeholder 4">
+            <a:extLst>
+              <a:ext uri="{FF2B5EF4-FFF2-40B4-BE49-F238E27FC236}">
+                <a16:creationId xmlns:a16="http://schemas.microsoft.com/office/drawing/2014/main" id="{D1C36CFD-9C53-4B49-A9A2-E5E9B1ACCF40}"/>
+              </a:ext>
+            </a:extLst>
+          </p:cNvPr>
+          <p:cNvSpPr>
+            <a:spLocks noGrp="1"/>
+          </p:cNvSpPr>
+          <p:nvPr>
+            <p:ph type="sldNum" sz="quarter" idx="12"/>
+          </p:nvPr>
+        </p:nvSpPr>
+        <p:spPr/>
+        <p:txBody>
+          <a:bodyPr/>
+          <a:lstStyle/>
+          <a:p>
+            <a:fld id="{831E630A-22E4-E94B-A484-0F7667DE9086}" type="slidenum">
+              <a:rPr lang="en-US" smtClean="0"/>
+              <a:t>5</a:t>
+            </a:fld>
+            <a:endParaRPr lang="en-US"/>
+          </a:p>
+        </p:txBody>
+      </p:sp>
+      <p:sp>
+        <p:nvSpPr>
+          <p:cNvPr id="6" name="Date Placeholder 5">
+            <a:extLst>
+              <a:ext uri="{FF2B5EF4-FFF2-40B4-BE49-F238E27FC236}">
+                <a16:creationId xmlns:a16="http://schemas.microsoft.com/office/drawing/2014/main" id="{90ADB4B7-52EC-234B-9D0B-ADCB4EBFAB20}"/>
+              </a:ext>
+            </a:extLst>
+          </p:cNvPr>
+          <p:cNvSpPr>
+            <a:spLocks noGrp="1"/>
+          </p:cNvSpPr>
+          <p:nvPr>
+            <p:ph type="dt" sz="half" idx="10"/>
+          </p:nvPr>
+        </p:nvSpPr>
+        <p:spPr/>
+        <p:txBody>
+          <a:bodyPr/>
+          <a:lstStyle/>
+          <a:p>
+            <a:r>
+              <a:rPr lang="en-US"/>
+              <a:t>4/2/21</a:t>
+            </a:r>
+          </a:p>
+        </p:txBody>
+      </p:sp>
     </p:spTree>
     <p:extLst>
       <p:ext uri="{BB962C8B-B14F-4D97-AF65-F5344CB8AC3E}">
@@ -3737,6 +5365,165 @@
           <a:chExt cx="0" cy="0"/>
         </a:xfrm>
       </p:grpSpPr>
+      <p:sp>
+        <p:nvSpPr>
+          <p:cNvPr id="2" name="Footer Placeholder 1">
+            <a:extLst>
+              <a:ext uri="{FF2B5EF4-FFF2-40B4-BE49-F238E27FC236}">
+                <a16:creationId xmlns:a16="http://schemas.microsoft.com/office/drawing/2014/main" id="{32A53A75-A3B8-9144-BDA7-255BF4E571A3}"/>
+              </a:ext>
+            </a:extLst>
+          </p:cNvPr>
+          <p:cNvSpPr>
+            <a:spLocks noGrp="1"/>
+          </p:cNvSpPr>
+          <p:nvPr>
+            <p:ph type="ftr" sz="quarter" idx="11"/>
+          </p:nvPr>
+        </p:nvSpPr>
+        <p:spPr/>
+        <p:txBody>
+          <a:bodyPr/>
+          <a:lstStyle/>
+          <a:p>
+            <a:r>
+              <a:rPr lang="en-US"/>
+              <a:t>Peter Goff</a:t>
+            </a:r>
+            <a:endParaRPr lang="en-US" dirty="0"/>
+          </a:p>
+        </p:txBody>
+      </p:sp>
+      <p:sp>
+        <p:nvSpPr>
+          <p:cNvPr id="3" name="Slide Number Placeholder 2">
+            <a:extLst>
+              <a:ext uri="{FF2B5EF4-FFF2-40B4-BE49-F238E27FC236}">
+                <a16:creationId xmlns:a16="http://schemas.microsoft.com/office/drawing/2014/main" id="{6ACCDAB1-7559-084E-A431-8DF708E8BF4B}"/>
+              </a:ext>
+            </a:extLst>
+          </p:cNvPr>
+          <p:cNvSpPr>
+            <a:spLocks noGrp="1"/>
+          </p:cNvSpPr>
+          <p:nvPr>
+            <p:ph type="sldNum" sz="quarter" idx="12"/>
+          </p:nvPr>
+        </p:nvSpPr>
+        <p:spPr/>
+        <p:txBody>
+          <a:bodyPr/>
+          <a:lstStyle/>
+          <a:p>
+            <a:fld id="{831E630A-22E4-E94B-A484-0F7667DE9086}" type="slidenum">
+              <a:rPr lang="en-US" smtClean="0"/>
+              <a:t>6</a:t>
+            </a:fld>
+            <a:endParaRPr lang="en-US"/>
+          </a:p>
+        </p:txBody>
+      </p:sp>
+      <p:sp>
+        <p:nvSpPr>
+          <p:cNvPr id="4" name="Date Placeholder 3">
+            <a:extLst>
+              <a:ext uri="{FF2B5EF4-FFF2-40B4-BE49-F238E27FC236}">
+                <a16:creationId xmlns:a16="http://schemas.microsoft.com/office/drawing/2014/main" id="{347739EE-2AE4-8641-89EC-6F55B0BEE08A}"/>
+              </a:ext>
+            </a:extLst>
+          </p:cNvPr>
+          <p:cNvSpPr>
+            <a:spLocks noGrp="1"/>
+          </p:cNvSpPr>
+          <p:nvPr>
+            <p:ph type="dt" sz="half" idx="10"/>
+          </p:nvPr>
+        </p:nvSpPr>
+        <p:spPr/>
+        <p:txBody>
+          <a:bodyPr/>
+          <a:lstStyle/>
+          <a:p>
+            <a:r>
+              <a:rPr lang="en-US"/>
+              <a:t>4/2/21</a:t>
+            </a:r>
+          </a:p>
+        </p:txBody>
+      </p:sp>
+      <p:sp>
+        <p:nvSpPr>
+          <p:cNvPr id="5" name="TextBox 4">
+            <a:extLst>
+              <a:ext uri="{FF2B5EF4-FFF2-40B4-BE49-F238E27FC236}">
+                <a16:creationId xmlns:a16="http://schemas.microsoft.com/office/drawing/2014/main" id="{47539EDE-9E67-E240-86EC-D8E4156DEA67}"/>
+              </a:ext>
+            </a:extLst>
+          </p:cNvPr>
+          <p:cNvSpPr txBox="1"/>
+          <p:nvPr/>
+        </p:nvSpPr>
+        <p:spPr>
+          <a:xfrm>
+            <a:off x="1925285" y="1600200"/>
+            <a:ext cx="6285823" cy="2031325"/>
+          </a:xfrm>
+          <a:prstGeom prst="rect">
+            <a:avLst/>
+          </a:prstGeom>
+          <a:noFill/>
+        </p:spPr>
+        <p:txBody>
+          <a:bodyPr wrap="none" rtlCol="0">
+            <a:spAutoFit/>
+          </a:bodyPr>
+          <a:lstStyle/>
+          <a:p>
+            <a:r>
+              <a:rPr lang="en-US" dirty="0"/>
+              <a:t>Meaningful heterogeneity in ridership decline? Yes.</a:t>
+            </a:r>
+          </a:p>
+          <a:p>
+            <a:endParaRPr lang="en-US" dirty="0"/>
+          </a:p>
+          <a:p>
+            <a:r>
+              <a:rPr lang="en-US" dirty="0"/>
+              <a:t>Actionable implications for health and transportation policy? Yes.</a:t>
+            </a:r>
+          </a:p>
+          <a:p>
+            <a:endParaRPr lang="en-US" dirty="0"/>
+          </a:p>
+          <a:p>
+            <a:r>
+              <a:rPr lang="en-US" dirty="0"/>
+              <a:t>Where to go next? </a:t>
+            </a:r>
+          </a:p>
+          <a:p>
+            <a:pPr marL="285750" indent="-285750">
+              <a:buFont typeface="Arial" panose="020B0604020202020204" pitchFamily="34" charset="0"/>
+              <a:buChar char="•"/>
+            </a:pPr>
+            <a:r>
+              <a:rPr lang="en-US" dirty="0"/>
+              <a:t>Reconciling entry with exits</a:t>
+            </a:r>
+          </a:p>
+          <a:p>
+            <a:pPr marL="285750" indent="-285750">
+              <a:buFont typeface="Arial" panose="020B0604020202020204" pitchFamily="34" charset="0"/>
+              <a:buChar char="•"/>
+            </a:pPr>
+            <a:r>
+              <a:rPr lang="en-US" dirty="0"/>
+              <a:t>Integrating weather data</a:t>
+            </a:r>
+          </a:p>
+        </p:txBody>
+      </p:sp>
     </p:spTree>
     <p:extLst>
       <p:ext uri="{BB962C8B-B14F-4D97-AF65-F5344CB8AC3E}">
@@ -3769,10 +5556,10 @@
       </p:grpSpPr>
       <p:pic>
         <p:nvPicPr>
-          <p:cNvPr id="3" name="Picture 2" descr="Chart, surface chart&#10;&#10;Description automatically generated">
-            <a:extLst>
-              <a:ext uri="{FF2B5EF4-FFF2-40B4-BE49-F238E27FC236}">
-                <a16:creationId xmlns:a16="http://schemas.microsoft.com/office/drawing/2014/main" id="{B03FFB8A-B6B7-DC47-886A-D436D2A52F54}"/>
+          <p:cNvPr id="21" name="Picture 20" descr="Map&#10;&#10;Description automatically generated with medium confidence">
+            <a:extLst>
+              <a:ext uri="{FF2B5EF4-FFF2-40B4-BE49-F238E27FC236}">
+                <a16:creationId xmlns:a16="http://schemas.microsoft.com/office/drawing/2014/main" id="{8AE9B734-78E9-604E-9D94-3B5EBA465D25}"/>
               </a:ext>
             </a:extLst>
           </p:cNvPr>
@@ -3783,23 +5570,319 @@
         </p:nvPicPr>
         <p:blipFill rotWithShape="1">
           <a:blip r:embed="rId2"/>
-          <a:srcRect l="7977" r="9047"/>
+          <a:srcRect l="32993" r="29819"/>
           <a:stretch/>
         </p:blipFill>
         <p:spPr>
           <a:xfrm>
-            <a:off x="0" y="-1"/>
-            <a:ext cx="12212011" cy="4905829"/>
+            <a:off x="246744" y="-83453"/>
+            <a:ext cx="2380345" cy="3657600"/>
           </a:xfrm>
           <a:prstGeom prst="rect">
             <a:avLst/>
           </a:prstGeom>
         </p:spPr>
       </p:pic>
+      <p:pic>
+        <p:nvPicPr>
+          <p:cNvPr id="23" name="Picture 22" descr="A picture containing map&#10;&#10;Description automatically generated">
+            <a:extLst>
+              <a:ext uri="{FF2B5EF4-FFF2-40B4-BE49-F238E27FC236}">
+                <a16:creationId xmlns:a16="http://schemas.microsoft.com/office/drawing/2014/main" id="{214A4711-7122-8B4E-9B81-4E2533251404}"/>
+              </a:ext>
+            </a:extLst>
+          </p:cNvPr>
+          <p:cNvPicPr>
+            <a:picLocks noChangeAspect="1"/>
+          </p:cNvPicPr>
+          <p:nvPr/>
+        </p:nvPicPr>
+        <p:blipFill rotWithShape="1">
+          <a:blip r:embed="rId3"/>
+          <a:srcRect l="33220" r="29591"/>
+          <a:stretch/>
+        </p:blipFill>
+        <p:spPr>
+          <a:xfrm>
+            <a:off x="2772227" y="-83453"/>
+            <a:ext cx="2380346" cy="3657600"/>
+          </a:xfrm>
+          <a:prstGeom prst="rect">
+            <a:avLst/>
+          </a:prstGeom>
+        </p:spPr>
+      </p:pic>
+      <p:pic>
+        <p:nvPicPr>
+          <p:cNvPr id="25" name="Picture 24" descr="Map&#10;&#10;Description automatically generated with low confidence">
+            <a:extLst>
+              <a:ext uri="{FF2B5EF4-FFF2-40B4-BE49-F238E27FC236}">
+                <a16:creationId xmlns:a16="http://schemas.microsoft.com/office/drawing/2014/main" id="{3D4FB3D4-3F56-A246-B106-63211B26278E}"/>
+              </a:ext>
+            </a:extLst>
+          </p:cNvPr>
+          <p:cNvPicPr>
+            <a:picLocks noChangeAspect="1"/>
+          </p:cNvPicPr>
+          <p:nvPr/>
+        </p:nvPicPr>
+        <p:blipFill rotWithShape="1">
+          <a:blip r:embed="rId4"/>
+          <a:srcRect l="34807" r="31406"/>
+          <a:stretch/>
+        </p:blipFill>
+        <p:spPr>
+          <a:xfrm>
+            <a:off x="5152573" y="-83453"/>
+            <a:ext cx="2162630" cy="3657600"/>
+          </a:xfrm>
+          <a:prstGeom prst="rect">
+            <a:avLst/>
+          </a:prstGeom>
+        </p:spPr>
+      </p:pic>
+      <p:pic>
+        <p:nvPicPr>
+          <p:cNvPr id="27" name="Picture 26" descr="A picture containing chart&#10;&#10;Description automatically generated">
+            <a:extLst>
+              <a:ext uri="{FF2B5EF4-FFF2-40B4-BE49-F238E27FC236}">
+                <a16:creationId xmlns:a16="http://schemas.microsoft.com/office/drawing/2014/main" id="{5260DC10-E569-B74C-8581-4C72C7B6FDB2}"/>
+              </a:ext>
+            </a:extLst>
+          </p:cNvPr>
+          <p:cNvPicPr>
+            <a:picLocks noChangeAspect="1"/>
+          </p:cNvPicPr>
+          <p:nvPr/>
+        </p:nvPicPr>
+        <p:blipFill rotWithShape="1">
+          <a:blip r:embed="rId5"/>
+          <a:srcRect l="35034" r="29139"/>
+          <a:stretch/>
+        </p:blipFill>
+        <p:spPr>
+          <a:xfrm>
+            <a:off x="7315203" y="-83453"/>
+            <a:ext cx="2293255" cy="3657600"/>
+          </a:xfrm>
+          <a:prstGeom prst="rect">
+            <a:avLst/>
+          </a:prstGeom>
+        </p:spPr>
+      </p:pic>
+      <p:pic>
+        <p:nvPicPr>
+          <p:cNvPr id="29" name="Picture 28" descr="Chart&#10;&#10;Description automatically generated with medium confidence">
+            <a:extLst>
+              <a:ext uri="{FF2B5EF4-FFF2-40B4-BE49-F238E27FC236}">
+                <a16:creationId xmlns:a16="http://schemas.microsoft.com/office/drawing/2014/main" id="{E45F2408-E2B1-5241-A779-B68185CEE269}"/>
+              </a:ext>
+            </a:extLst>
+          </p:cNvPr>
+          <p:cNvPicPr>
+            <a:picLocks noChangeAspect="1"/>
+          </p:cNvPicPr>
+          <p:nvPr/>
+        </p:nvPicPr>
+        <p:blipFill rotWithShape="1">
+          <a:blip r:embed="rId6"/>
+          <a:srcRect l="35261" r="30952"/>
+          <a:stretch/>
+        </p:blipFill>
+        <p:spPr>
+          <a:xfrm>
+            <a:off x="9695549" y="-83453"/>
+            <a:ext cx="2162630" cy="3657600"/>
+          </a:xfrm>
+          <a:prstGeom prst="rect">
+            <a:avLst/>
+          </a:prstGeom>
+        </p:spPr>
+      </p:pic>
+      <p:pic>
+        <p:nvPicPr>
+          <p:cNvPr id="31" name="Picture 30">
+            <a:extLst>
+              <a:ext uri="{FF2B5EF4-FFF2-40B4-BE49-F238E27FC236}">
+                <a16:creationId xmlns:a16="http://schemas.microsoft.com/office/drawing/2014/main" id="{CB82E413-6BEA-D349-AAC3-112C081DAC66}"/>
+              </a:ext>
+            </a:extLst>
+          </p:cNvPr>
+          <p:cNvPicPr>
+            <a:picLocks noChangeAspect="1"/>
+          </p:cNvPicPr>
+          <p:nvPr/>
+        </p:nvPicPr>
+        <p:blipFill rotWithShape="1">
+          <a:blip r:embed="rId7"/>
+          <a:srcRect l="30953" r="30953"/>
+          <a:stretch/>
+        </p:blipFill>
+        <p:spPr>
+          <a:xfrm>
+            <a:off x="50797" y="3200400"/>
+            <a:ext cx="2438405" cy="3657600"/>
+          </a:xfrm>
+          <a:prstGeom prst="rect">
+            <a:avLst/>
+          </a:prstGeom>
+        </p:spPr>
+      </p:pic>
+      <p:pic>
+        <p:nvPicPr>
+          <p:cNvPr id="33" name="Picture 32" descr="Map&#10;&#10;Description automatically generated">
+            <a:extLst>
+              <a:ext uri="{FF2B5EF4-FFF2-40B4-BE49-F238E27FC236}">
+                <a16:creationId xmlns:a16="http://schemas.microsoft.com/office/drawing/2014/main" id="{F878CB2D-1A5A-9840-98C9-38AB68DA1598}"/>
+              </a:ext>
+            </a:extLst>
+          </p:cNvPr>
+          <p:cNvPicPr>
+            <a:picLocks noChangeAspect="1"/>
+          </p:cNvPicPr>
+          <p:nvPr/>
+        </p:nvPicPr>
+        <p:blipFill rotWithShape="1">
+          <a:blip r:embed="rId8"/>
+          <a:srcRect l="32993" r="28911"/>
+          <a:stretch/>
+        </p:blipFill>
+        <p:spPr>
+          <a:xfrm>
+            <a:off x="9557661" y="3200400"/>
+            <a:ext cx="2438405" cy="3657600"/>
+          </a:xfrm>
+          <a:prstGeom prst="rect">
+            <a:avLst/>
+          </a:prstGeom>
+        </p:spPr>
+      </p:pic>
+      <p:sp>
+        <p:nvSpPr>
+          <p:cNvPr id="2" name="Footer Placeholder 1">
+            <a:extLst>
+              <a:ext uri="{FF2B5EF4-FFF2-40B4-BE49-F238E27FC236}">
+                <a16:creationId xmlns:a16="http://schemas.microsoft.com/office/drawing/2014/main" id="{81E33252-231B-8C4F-9BE9-62D9DA24E361}"/>
+              </a:ext>
+            </a:extLst>
+          </p:cNvPr>
+          <p:cNvSpPr>
+            <a:spLocks noGrp="1"/>
+          </p:cNvSpPr>
+          <p:nvPr>
+            <p:ph type="ftr" sz="quarter" idx="11"/>
+          </p:nvPr>
+        </p:nvSpPr>
+        <p:spPr/>
+        <p:txBody>
+          <a:bodyPr/>
+          <a:lstStyle/>
+          <a:p>
+            <a:r>
+              <a:rPr lang="en-US"/>
+              <a:t>Peter Goff</a:t>
+            </a:r>
+            <a:endParaRPr lang="en-US" dirty="0"/>
+          </a:p>
+        </p:txBody>
+      </p:sp>
+      <p:sp>
+        <p:nvSpPr>
+          <p:cNvPr id="3" name="Slide Number Placeholder 2">
+            <a:extLst>
+              <a:ext uri="{FF2B5EF4-FFF2-40B4-BE49-F238E27FC236}">
+                <a16:creationId xmlns:a16="http://schemas.microsoft.com/office/drawing/2014/main" id="{6DA20A55-C574-C148-B7D6-A59C93F20E04}"/>
+              </a:ext>
+            </a:extLst>
+          </p:cNvPr>
+          <p:cNvSpPr>
+            <a:spLocks noGrp="1"/>
+          </p:cNvSpPr>
+          <p:nvPr>
+            <p:ph type="sldNum" sz="quarter" idx="12"/>
+          </p:nvPr>
+        </p:nvSpPr>
+        <p:spPr/>
+        <p:txBody>
+          <a:bodyPr/>
+          <a:lstStyle/>
+          <a:p>
+            <a:fld id="{831E630A-22E4-E94B-A484-0F7667DE9086}" type="slidenum">
+              <a:rPr lang="en-US" smtClean="0"/>
+              <a:t>7</a:t>
+            </a:fld>
+            <a:endParaRPr lang="en-US"/>
+          </a:p>
+        </p:txBody>
+      </p:sp>
+      <p:sp>
+        <p:nvSpPr>
+          <p:cNvPr id="4" name="Date Placeholder 3">
+            <a:extLst>
+              <a:ext uri="{FF2B5EF4-FFF2-40B4-BE49-F238E27FC236}">
+                <a16:creationId xmlns:a16="http://schemas.microsoft.com/office/drawing/2014/main" id="{92C41CF4-5DEC-D649-91F8-CDD72061E374}"/>
+              </a:ext>
+            </a:extLst>
+          </p:cNvPr>
+          <p:cNvSpPr>
+            <a:spLocks noGrp="1"/>
+          </p:cNvSpPr>
+          <p:nvPr>
+            <p:ph type="dt" sz="half" idx="10"/>
+          </p:nvPr>
+        </p:nvSpPr>
+        <p:spPr/>
+        <p:txBody>
+          <a:bodyPr/>
+          <a:lstStyle/>
+          <a:p>
+            <a:r>
+              <a:rPr lang="en-US"/>
+              <a:t>4/2/21</a:t>
+            </a:r>
+          </a:p>
+        </p:txBody>
+      </p:sp>
+      <p:sp>
+        <p:nvSpPr>
+          <p:cNvPr id="5" name="TextBox 4">
+            <a:extLst>
+              <a:ext uri="{FF2B5EF4-FFF2-40B4-BE49-F238E27FC236}">
+                <a16:creationId xmlns:a16="http://schemas.microsoft.com/office/drawing/2014/main" id="{A1F181C2-2C9A-3B4E-8804-A45A2AD14488}"/>
+              </a:ext>
+            </a:extLst>
+          </p:cNvPr>
+          <p:cNvSpPr txBox="1"/>
+          <p:nvPr/>
+        </p:nvSpPr>
+        <p:spPr>
+          <a:xfrm>
+            <a:off x="3932606" y="4318917"/>
+            <a:ext cx="4319539" cy="646331"/>
+          </a:xfrm>
+          <a:prstGeom prst="rect">
+            <a:avLst/>
+          </a:prstGeom>
+          <a:noFill/>
+        </p:spPr>
+        <p:txBody>
+          <a:bodyPr wrap="square" rtlCol="0">
+            <a:spAutoFit/>
+          </a:bodyPr>
+          <a:lstStyle/>
+          <a:p>
+            <a:pPr algn="ctr"/>
+            <a:r>
+              <a:rPr lang="en-US" dirty="0"/>
+              <a:t>Smallest reductions occur later in the week, on the more remote areas of the system.</a:t>
+            </a:r>
+          </a:p>
+        </p:txBody>
+      </p:sp>
     </p:spTree>
     <p:extLst>
       <p:ext uri="{BB962C8B-B14F-4D97-AF65-F5344CB8AC3E}">
-        <p14:creationId xmlns:p14="http://schemas.microsoft.com/office/powerpoint/2010/main" val="3160069388"/>
+        <p14:creationId xmlns:p14="http://schemas.microsoft.com/office/powerpoint/2010/main" val="2664499607"/>
       </p:ext>
     </p:extLst>
   </p:cSld>
@@ -3828,10 +5911,10 @@
       </p:grpSpPr>
       <p:pic>
         <p:nvPicPr>
-          <p:cNvPr id="21" name="Picture 20" descr="Map&#10;&#10;Description automatically generated with medium confidence">
-            <a:extLst>
-              <a:ext uri="{FF2B5EF4-FFF2-40B4-BE49-F238E27FC236}">
-                <a16:creationId xmlns:a16="http://schemas.microsoft.com/office/drawing/2014/main" id="{8AE9B734-78E9-604E-9D94-3B5EBA465D25}"/>
+          <p:cNvPr id="3" name="Picture 2" descr="Chart&#10;&#10;Description automatically generated">
+            <a:extLst>
+              <a:ext uri="{FF2B5EF4-FFF2-40B4-BE49-F238E27FC236}">
+                <a16:creationId xmlns:a16="http://schemas.microsoft.com/office/drawing/2014/main" id="{9F4732F5-A098-8648-8322-F91FD9AC307E}"/>
               </a:ext>
             </a:extLst>
           </p:cNvPr>
@@ -3842,197 +5925,109 @@
         </p:nvPicPr>
         <p:blipFill rotWithShape="1">
           <a:blip r:embed="rId2"/>
-          <a:srcRect l="32993" r="29819"/>
+          <a:srcRect l="7313" r="8875"/>
           <a:stretch/>
         </p:blipFill>
         <p:spPr>
           <a:xfrm>
-            <a:off x="246744" y="-83453"/>
-            <a:ext cx="2380345" cy="3657600"/>
+            <a:off x="20791" y="-196283"/>
+            <a:ext cx="12150340" cy="4832350"/>
           </a:xfrm>
           <a:prstGeom prst="rect">
             <a:avLst/>
           </a:prstGeom>
         </p:spPr>
       </p:pic>
-      <p:pic>
-        <p:nvPicPr>
-          <p:cNvPr id="23" name="Picture 22" descr="A picture containing map&#10;&#10;Description automatically generated">
-            <a:extLst>
-              <a:ext uri="{FF2B5EF4-FFF2-40B4-BE49-F238E27FC236}">
-                <a16:creationId xmlns:a16="http://schemas.microsoft.com/office/drawing/2014/main" id="{214A4711-7122-8B4E-9B81-4E2533251404}"/>
-              </a:ext>
-            </a:extLst>
-          </p:cNvPr>
-          <p:cNvPicPr>
-            <a:picLocks noChangeAspect="1"/>
-          </p:cNvPicPr>
-          <p:nvPr/>
-        </p:nvPicPr>
-        <p:blipFill rotWithShape="1">
-          <a:blip r:embed="rId3"/>
-          <a:srcRect l="33220" r="29591"/>
-          <a:stretch/>
-        </p:blipFill>
-        <p:spPr>
-          <a:xfrm>
-            <a:off x="2772227" y="-83453"/>
-            <a:ext cx="2380346" cy="3657600"/>
-          </a:xfrm>
-          <a:prstGeom prst="rect">
-            <a:avLst/>
-          </a:prstGeom>
-        </p:spPr>
-      </p:pic>
-      <p:pic>
-        <p:nvPicPr>
-          <p:cNvPr id="25" name="Picture 24" descr="Map&#10;&#10;Description automatically generated with low confidence">
-            <a:extLst>
-              <a:ext uri="{FF2B5EF4-FFF2-40B4-BE49-F238E27FC236}">
-                <a16:creationId xmlns:a16="http://schemas.microsoft.com/office/drawing/2014/main" id="{3D4FB3D4-3F56-A246-B106-63211B26278E}"/>
-              </a:ext>
-            </a:extLst>
-          </p:cNvPr>
-          <p:cNvPicPr>
-            <a:picLocks noChangeAspect="1"/>
-          </p:cNvPicPr>
-          <p:nvPr/>
-        </p:nvPicPr>
-        <p:blipFill rotWithShape="1">
-          <a:blip r:embed="rId4"/>
-          <a:srcRect l="34807" r="31406"/>
-          <a:stretch/>
-        </p:blipFill>
-        <p:spPr>
-          <a:xfrm>
-            <a:off x="5152573" y="-83453"/>
-            <a:ext cx="2162630" cy="3657600"/>
-          </a:xfrm>
-          <a:prstGeom prst="rect">
-            <a:avLst/>
-          </a:prstGeom>
-        </p:spPr>
-      </p:pic>
-      <p:pic>
-        <p:nvPicPr>
-          <p:cNvPr id="27" name="Picture 26" descr="A picture containing chart&#10;&#10;Description automatically generated">
-            <a:extLst>
-              <a:ext uri="{FF2B5EF4-FFF2-40B4-BE49-F238E27FC236}">
-                <a16:creationId xmlns:a16="http://schemas.microsoft.com/office/drawing/2014/main" id="{5260DC10-E569-B74C-8581-4C72C7B6FDB2}"/>
-              </a:ext>
-            </a:extLst>
-          </p:cNvPr>
-          <p:cNvPicPr>
-            <a:picLocks noChangeAspect="1"/>
-          </p:cNvPicPr>
-          <p:nvPr/>
-        </p:nvPicPr>
-        <p:blipFill rotWithShape="1">
-          <a:blip r:embed="rId5"/>
-          <a:srcRect l="35034" r="29139"/>
-          <a:stretch/>
-        </p:blipFill>
-        <p:spPr>
-          <a:xfrm>
-            <a:off x="7315203" y="-83453"/>
-            <a:ext cx="2293255" cy="3657600"/>
-          </a:xfrm>
-          <a:prstGeom prst="rect">
-            <a:avLst/>
-          </a:prstGeom>
-        </p:spPr>
-      </p:pic>
-      <p:pic>
-        <p:nvPicPr>
-          <p:cNvPr id="29" name="Picture 28" descr="Chart&#10;&#10;Description automatically generated with medium confidence">
-            <a:extLst>
-              <a:ext uri="{FF2B5EF4-FFF2-40B4-BE49-F238E27FC236}">
-                <a16:creationId xmlns:a16="http://schemas.microsoft.com/office/drawing/2014/main" id="{E45F2408-E2B1-5241-A779-B68185CEE269}"/>
-              </a:ext>
-            </a:extLst>
-          </p:cNvPr>
-          <p:cNvPicPr>
-            <a:picLocks noChangeAspect="1"/>
-          </p:cNvPicPr>
-          <p:nvPr/>
-        </p:nvPicPr>
-        <p:blipFill rotWithShape="1">
-          <a:blip r:embed="rId6"/>
-          <a:srcRect l="35261" r="30952"/>
-          <a:stretch/>
-        </p:blipFill>
-        <p:spPr>
-          <a:xfrm>
-            <a:off x="9695549" y="-83453"/>
-            <a:ext cx="2162630" cy="3657600"/>
-          </a:xfrm>
-          <a:prstGeom prst="rect">
-            <a:avLst/>
-          </a:prstGeom>
-        </p:spPr>
-      </p:pic>
-      <p:pic>
-        <p:nvPicPr>
-          <p:cNvPr id="31" name="Picture 30">
-            <a:extLst>
-              <a:ext uri="{FF2B5EF4-FFF2-40B4-BE49-F238E27FC236}">
-                <a16:creationId xmlns:a16="http://schemas.microsoft.com/office/drawing/2014/main" id="{CB82E413-6BEA-D349-AAC3-112C081DAC66}"/>
-              </a:ext>
-            </a:extLst>
-          </p:cNvPr>
-          <p:cNvPicPr>
-            <a:picLocks noChangeAspect="1"/>
-          </p:cNvPicPr>
-          <p:nvPr/>
-        </p:nvPicPr>
-        <p:blipFill rotWithShape="1">
-          <a:blip r:embed="rId7"/>
-          <a:srcRect l="30953" r="30953"/>
-          <a:stretch/>
-        </p:blipFill>
-        <p:spPr>
-          <a:xfrm>
-            <a:off x="50797" y="3200400"/>
-            <a:ext cx="2438405" cy="3657600"/>
-          </a:xfrm>
-          <a:prstGeom prst="rect">
-            <a:avLst/>
-          </a:prstGeom>
-        </p:spPr>
-      </p:pic>
-      <p:pic>
-        <p:nvPicPr>
-          <p:cNvPr id="33" name="Picture 32" descr="Map&#10;&#10;Description automatically generated">
-            <a:extLst>
-              <a:ext uri="{FF2B5EF4-FFF2-40B4-BE49-F238E27FC236}">
-                <a16:creationId xmlns:a16="http://schemas.microsoft.com/office/drawing/2014/main" id="{F878CB2D-1A5A-9840-98C9-38AB68DA1598}"/>
-              </a:ext>
-            </a:extLst>
-          </p:cNvPr>
-          <p:cNvPicPr>
-            <a:picLocks noChangeAspect="1"/>
-          </p:cNvPicPr>
-          <p:nvPr/>
-        </p:nvPicPr>
-        <p:blipFill rotWithShape="1">
-          <a:blip r:embed="rId8"/>
-          <a:srcRect l="32993" r="28911"/>
-          <a:stretch/>
-        </p:blipFill>
-        <p:spPr>
-          <a:xfrm>
-            <a:off x="9557661" y="3200400"/>
-            <a:ext cx="2438405" cy="3657600"/>
-          </a:xfrm>
-          <a:prstGeom prst="rect">
-            <a:avLst/>
-          </a:prstGeom>
-        </p:spPr>
-      </p:pic>
+      <p:sp>
+        <p:nvSpPr>
+          <p:cNvPr id="4" name="Footer Placeholder 3">
+            <a:extLst>
+              <a:ext uri="{FF2B5EF4-FFF2-40B4-BE49-F238E27FC236}">
+                <a16:creationId xmlns:a16="http://schemas.microsoft.com/office/drawing/2014/main" id="{BF803C91-8A9F-2246-A3B8-E4451862EAA2}"/>
+              </a:ext>
+            </a:extLst>
+          </p:cNvPr>
+          <p:cNvSpPr>
+            <a:spLocks noGrp="1"/>
+          </p:cNvSpPr>
+          <p:nvPr>
+            <p:ph type="ftr" sz="quarter" idx="11"/>
+          </p:nvPr>
+        </p:nvSpPr>
+        <p:spPr/>
+        <p:txBody>
+          <a:bodyPr/>
+          <a:lstStyle/>
+          <a:p>
+            <a:r>
+              <a:rPr lang="en-US"/>
+              <a:t>Peter Goff</a:t>
+            </a:r>
+            <a:endParaRPr lang="en-US" dirty="0"/>
+          </a:p>
+        </p:txBody>
+      </p:sp>
+      <p:sp>
+        <p:nvSpPr>
+          <p:cNvPr id="5" name="Slide Number Placeholder 4">
+            <a:extLst>
+              <a:ext uri="{FF2B5EF4-FFF2-40B4-BE49-F238E27FC236}">
+                <a16:creationId xmlns:a16="http://schemas.microsoft.com/office/drawing/2014/main" id="{8E66AE22-2670-3646-8AAB-C92F183B61A3}"/>
+              </a:ext>
+            </a:extLst>
+          </p:cNvPr>
+          <p:cNvSpPr>
+            <a:spLocks noGrp="1"/>
+          </p:cNvSpPr>
+          <p:nvPr>
+            <p:ph type="sldNum" sz="quarter" idx="12"/>
+          </p:nvPr>
+        </p:nvSpPr>
+        <p:spPr/>
+        <p:txBody>
+          <a:bodyPr/>
+          <a:lstStyle/>
+          <a:p>
+            <a:fld id="{831E630A-22E4-E94B-A484-0F7667DE9086}" type="slidenum">
+              <a:rPr lang="en-US" smtClean="0"/>
+              <a:t>8</a:t>
+            </a:fld>
+            <a:endParaRPr lang="en-US"/>
+          </a:p>
+        </p:txBody>
+      </p:sp>
+      <p:sp>
+        <p:nvSpPr>
+          <p:cNvPr id="6" name="Date Placeholder 5">
+            <a:extLst>
+              <a:ext uri="{FF2B5EF4-FFF2-40B4-BE49-F238E27FC236}">
+                <a16:creationId xmlns:a16="http://schemas.microsoft.com/office/drawing/2014/main" id="{780503EC-5928-A64C-8FB6-7A8C8E312482}"/>
+              </a:ext>
+            </a:extLst>
+          </p:cNvPr>
+          <p:cNvSpPr>
+            <a:spLocks noGrp="1"/>
+          </p:cNvSpPr>
+          <p:nvPr>
+            <p:ph type="dt" sz="half" idx="10"/>
+          </p:nvPr>
+        </p:nvSpPr>
+        <p:spPr/>
+        <p:txBody>
+          <a:bodyPr/>
+          <a:lstStyle/>
+          <a:p>
+            <a:r>
+              <a:rPr lang="en-US"/>
+              <a:t>4/2/21</a:t>
+            </a:r>
+          </a:p>
+        </p:txBody>
+      </p:sp>
     </p:spTree>
     <p:extLst>
       <p:ext uri="{BB962C8B-B14F-4D97-AF65-F5344CB8AC3E}">
-        <p14:creationId xmlns:p14="http://schemas.microsoft.com/office/powerpoint/2010/main" val="2664499607"/>
+        <p14:creationId xmlns:p14="http://schemas.microsoft.com/office/powerpoint/2010/main" val="3173957906"/>
       </p:ext>
     </p:extLst>
   </p:cSld>
@@ -4335,4 +6330,299 @@
     </a:ext>
   </a:extLst>
 </a:theme>
+</file>
+
+<file path=ppt/theme/theme2.xml><?xml version="1.0" encoding="utf-8"?>
+<a:theme xmlns:a="http://schemas.openxmlformats.org/drawingml/2006/main" name="Office Theme">
+  <a:themeElements>
+    <a:clrScheme name="Office">
+      <a:dk1>
+        <a:sysClr val="windowText" lastClr="000000"/>
+      </a:dk1>
+      <a:lt1>
+        <a:sysClr val="window" lastClr="FFFFFF"/>
+      </a:lt1>
+      <a:dk2>
+        <a:srgbClr val="44546A"/>
+      </a:dk2>
+      <a:lt2>
+        <a:srgbClr val="E7E6E6"/>
+      </a:lt2>
+      <a:accent1>
+        <a:srgbClr val="4472C4"/>
+      </a:accent1>
+      <a:accent2>
+        <a:srgbClr val="ED7D31"/>
+      </a:accent2>
+      <a:accent3>
+        <a:srgbClr val="A5A5A5"/>
+      </a:accent3>
+      <a:accent4>
+        <a:srgbClr val="FFC000"/>
+      </a:accent4>
+      <a:accent5>
+        <a:srgbClr val="5B9BD5"/>
+      </a:accent5>
+      <a:accent6>
+        <a:srgbClr val="70AD47"/>
+      </a:accent6>
+      <a:hlink>
+        <a:srgbClr val="0563C1"/>
+      </a:hlink>
+      <a:folHlink>
+        <a:srgbClr val="954F72"/>
+      </a:folHlink>
+    </a:clrScheme>
+    <a:fontScheme name="Office">
+      <a:majorFont>
+        <a:latin typeface="Calibri Light" panose="020F0302020204030204"/>
+        <a:ea typeface=""/>
+        <a:cs typeface=""/>
+        <a:font script="Jpan" typeface="游ゴシック Light"/>
+        <a:font script="Hang" typeface="맑은 고딕"/>
+        <a:font script="Hans" typeface="等线 Light"/>
+        <a:font script="Hant" typeface="新細明體"/>
+        <a:font script="Arab" typeface="Times New Roman"/>
+        <a:font script="Hebr" typeface="Times New Roman"/>
+        <a:font script="Thai" typeface="Angsana New"/>
+        <a:font script="Ethi" typeface="Nyala"/>
+        <a:font script="Beng" typeface="Vrinda"/>
+        <a:font script="Gujr" typeface="Shruti"/>
+        <a:font script="Khmr" typeface="MoolBoran"/>
+        <a:font script="Knda" typeface="Tunga"/>
+        <a:font script="Guru" typeface="Raavi"/>
+        <a:font script="Cans" typeface="Euphemia"/>
+        <a:font script="Cher" typeface="Plantagenet Cherokee"/>
+        <a:font script="Yiii" typeface="Microsoft Yi Baiti"/>
+        <a:font script="Tibt" typeface="Microsoft Himalaya"/>
+        <a:font script="Thaa" typeface="MV Boli"/>
+        <a:font script="Deva" typeface="Mangal"/>
+        <a:font script="Telu" typeface="Gautami"/>
+        <a:font script="Taml" typeface="Latha"/>
+        <a:font script="Syrc" typeface="Estrangelo Edessa"/>
+        <a:font script="Orya" typeface="Kalinga"/>
+        <a:font script="Mlym" typeface="Kartika"/>
+        <a:font script="Laoo" typeface="DokChampa"/>
+        <a:font script="Sinh" typeface="Iskoola Pota"/>
+        <a:font script="Mong" typeface="Mongolian Baiti"/>
+        <a:font script="Viet" typeface="Times New Roman"/>
+        <a:font script="Uigh" typeface="Microsoft Uighur"/>
+        <a:font script="Geor" typeface="Sylfaen"/>
+        <a:font script="Armn" typeface="Arial"/>
+        <a:font script="Bugi" typeface="Leelawadee UI"/>
+        <a:font script="Bopo" typeface="Microsoft JhengHei"/>
+        <a:font script="Java" typeface="Javanese Text"/>
+        <a:font script="Lisu" typeface="Segoe UI"/>
+        <a:font script="Mymr" typeface="Myanmar Text"/>
+        <a:font script="Nkoo" typeface="Ebrima"/>
+        <a:font script="Olck" typeface="Nirmala UI"/>
+        <a:font script="Osma" typeface="Ebrima"/>
+        <a:font script="Phag" typeface="Phagspa"/>
+        <a:font script="Syrn" typeface="Estrangelo Edessa"/>
+        <a:font script="Syrj" typeface="Estrangelo Edessa"/>
+        <a:font script="Syre" typeface="Estrangelo Edessa"/>
+        <a:font script="Sora" typeface="Nirmala UI"/>
+        <a:font script="Tale" typeface="Microsoft Tai Le"/>
+        <a:font script="Talu" typeface="Microsoft New Tai Lue"/>
+        <a:font script="Tfng" typeface="Ebrima"/>
+      </a:majorFont>
+      <a:minorFont>
+        <a:latin typeface="Calibri" panose="020F0502020204030204"/>
+        <a:ea typeface=""/>
+        <a:cs typeface=""/>
+        <a:font script="Jpan" typeface="游ゴシック"/>
+        <a:font script="Hang" typeface="맑은 고딕"/>
+        <a:font script="Hans" typeface="等线"/>
+        <a:font script="Hant" typeface="新細明體"/>
+        <a:font script="Arab" typeface="Arial"/>
+        <a:font script="Hebr" typeface="Arial"/>
+        <a:font script="Thai" typeface="Cordia New"/>
+        <a:font script="Ethi" typeface="Nyala"/>
+        <a:font script="Beng" typeface="Vrinda"/>
+        <a:font script="Gujr" typeface="Shruti"/>
+        <a:font script="Khmr" typeface="DaunPenh"/>
+        <a:font script="Knda" typeface="Tunga"/>
+        <a:font script="Guru" typeface="Raavi"/>
+        <a:font script="Cans" typeface="Euphemia"/>
+        <a:font script="Cher" typeface="Plantagenet Cherokee"/>
+        <a:font script="Yiii" typeface="Microsoft Yi Baiti"/>
+        <a:font script="Tibt" typeface="Microsoft Himalaya"/>
+        <a:font script="Thaa" typeface="MV Boli"/>
+        <a:font script="Deva" typeface="Mangal"/>
+        <a:font script="Telu" typeface="Gautami"/>
+        <a:font script="Taml" typeface="Latha"/>
+        <a:font script="Syrc" typeface="Estrangelo Edessa"/>
+        <a:font script="Orya" typeface="Kalinga"/>
+        <a:font script="Mlym" typeface="Kartika"/>
+        <a:font script="Laoo" typeface="DokChampa"/>
+        <a:font script="Sinh" typeface="Iskoola Pota"/>
+        <a:font script="Mong" typeface="Mongolian Baiti"/>
+        <a:font script="Viet" typeface="Arial"/>
+        <a:font script="Uigh" typeface="Microsoft Uighur"/>
+        <a:font script="Geor" typeface="Sylfaen"/>
+        <a:font script="Armn" typeface="Arial"/>
+        <a:font script="Bugi" typeface="Leelawadee UI"/>
+        <a:font script="Bopo" typeface="Microsoft JhengHei"/>
+        <a:font script="Java" typeface="Javanese Text"/>
+        <a:font script="Lisu" typeface="Segoe UI"/>
+        <a:font script="Mymr" typeface="Myanmar Text"/>
+        <a:font script="Nkoo" typeface="Ebrima"/>
+        <a:font script="Olck" typeface="Nirmala UI"/>
+        <a:font script="Osma" typeface="Ebrima"/>
+        <a:font script="Phag" typeface="Phagspa"/>
+        <a:font script="Syrn" typeface="Estrangelo Edessa"/>
+        <a:font script="Syrj" typeface="Estrangelo Edessa"/>
+        <a:font script="Syre" typeface="Estrangelo Edessa"/>
+        <a:font script="Sora" typeface="Nirmala UI"/>
+        <a:font script="Tale" typeface="Microsoft Tai Le"/>
+        <a:font script="Talu" typeface="Microsoft New Tai Lue"/>
+        <a:font script="Tfng" typeface="Ebrima"/>
+      </a:minorFont>
+    </a:fontScheme>
+    <a:fmtScheme name="Office">
+      <a:fillStyleLst>
+        <a:solidFill>
+          <a:schemeClr val="phClr"/>
+        </a:solidFill>
+        <a:gradFill rotWithShape="1">
+          <a:gsLst>
+            <a:gs pos="0">
+              <a:schemeClr val="phClr">
+                <a:lumMod val="110000"/>
+                <a:satMod val="105000"/>
+                <a:tint val="67000"/>
+              </a:schemeClr>
+            </a:gs>
+            <a:gs pos="50000">
+              <a:schemeClr val="phClr">
+                <a:lumMod val="105000"/>
+                <a:satMod val="103000"/>
+                <a:tint val="73000"/>
+              </a:schemeClr>
+            </a:gs>
+            <a:gs pos="100000">
+              <a:schemeClr val="phClr">
+                <a:lumMod val="105000"/>
+                <a:satMod val="109000"/>
+                <a:tint val="81000"/>
+              </a:schemeClr>
+            </a:gs>
+          </a:gsLst>
+          <a:lin ang="5400000" scaled="0"/>
+        </a:gradFill>
+        <a:gradFill rotWithShape="1">
+          <a:gsLst>
+            <a:gs pos="0">
+              <a:schemeClr val="phClr">
+                <a:satMod val="103000"/>
+                <a:lumMod val="102000"/>
+                <a:tint val="94000"/>
+              </a:schemeClr>
+            </a:gs>
+            <a:gs pos="50000">
+              <a:schemeClr val="phClr">
+                <a:satMod val="110000"/>
+                <a:lumMod val="100000"/>
+                <a:shade val="100000"/>
+              </a:schemeClr>
+            </a:gs>
+            <a:gs pos="100000">
+              <a:schemeClr val="phClr">
+                <a:lumMod val="99000"/>
+                <a:satMod val="120000"/>
+                <a:shade val="78000"/>
+              </a:schemeClr>
+            </a:gs>
+          </a:gsLst>
+          <a:lin ang="5400000" scaled="0"/>
+        </a:gradFill>
+      </a:fillStyleLst>
+      <a:lnStyleLst>
+        <a:ln w="6350" cap="flat" cmpd="sng" algn="ctr">
+          <a:solidFill>
+            <a:schemeClr val="phClr"/>
+          </a:solidFill>
+          <a:prstDash val="solid"/>
+          <a:miter lim="800000"/>
+        </a:ln>
+        <a:ln w="12700" cap="flat" cmpd="sng" algn="ctr">
+          <a:solidFill>
+            <a:schemeClr val="phClr"/>
+          </a:solidFill>
+          <a:prstDash val="solid"/>
+          <a:miter lim="800000"/>
+        </a:ln>
+        <a:ln w="19050" cap="flat" cmpd="sng" algn="ctr">
+          <a:solidFill>
+            <a:schemeClr val="phClr"/>
+          </a:solidFill>
+          <a:prstDash val="solid"/>
+          <a:miter lim="800000"/>
+        </a:ln>
+      </a:lnStyleLst>
+      <a:effectStyleLst>
+        <a:effectStyle>
+          <a:effectLst/>
+        </a:effectStyle>
+        <a:effectStyle>
+          <a:effectLst/>
+        </a:effectStyle>
+        <a:effectStyle>
+          <a:effectLst>
+            <a:outerShdw blurRad="57150" dist="19050" dir="5400000" algn="ctr" rotWithShape="0">
+              <a:srgbClr val="000000">
+                <a:alpha val="63000"/>
+              </a:srgbClr>
+            </a:outerShdw>
+          </a:effectLst>
+        </a:effectStyle>
+      </a:effectStyleLst>
+      <a:bgFillStyleLst>
+        <a:solidFill>
+          <a:schemeClr val="phClr"/>
+        </a:solidFill>
+        <a:solidFill>
+          <a:schemeClr val="phClr">
+            <a:tint val="95000"/>
+            <a:satMod val="170000"/>
+          </a:schemeClr>
+        </a:solidFill>
+        <a:gradFill rotWithShape="1">
+          <a:gsLst>
+            <a:gs pos="0">
+              <a:schemeClr val="phClr">
+                <a:tint val="93000"/>
+                <a:satMod val="150000"/>
+                <a:shade val="98000"/>
+                <a:lumMod val="102000"/>
+              </a:schemeClr>
+            </a:gs>
+            <a:gs pos="50000">
+              <a:schemeClr val="phClr">
+                <a:tint val="98000"/>
+                <a:satMod val="130000"/>
+                <a:shade val="90000"/>
+                <a:lumMod val="103000"/>
+              </a:schemeClr>
+            </a:gs>
+            <a:gs pos="100000">
+              <a:schemeClr val="phClr">
+                <a:shade val="63000"/>
+                <a:satMod val="120000"/>
+              </a:schemeClr>
+            </a:gs>
+          </a:gsLst>
+          <a:lin ang="5400000" scaled="0"/>
+        </a:gradFill>
+      </a:bgFillStyleLst>
+    </a:fmtScheme>
+  </a:themeElements>
+  <a:objectDefaults/>
+  <a:extraClrSchemeLst/>
+  <a:extLst>
+    <a:ext uri="{05A4C25C-085E-4340-85A3-A5531E510DB2}">
+      <thm15:themeFamily xmlns:thm15="http://schemas.microsoft.com/office/thememl/2012/main" name="Office Theme" id="{62F939B6-93AF-4DB8-9C6B-D6C7DFDC589F}" vid="{4A3C46E8-61CC-4603-A589-7422A47A8E4A}"/>
+    </a:ext>
+  </a:extLst>
+</a:theme>
 </file>